--- a/3-1大三上/Linux系统应用与开发（康晓军）/课件/第五章  Linux C编程.pptx
+++ b/3-1大三上/Linux系统应用与开发（康晓军）/课件/第五章  Linux C编程.pptx
@@ -36,16 +36,16 @@
     <p:sldId id="370" r:id="rId27"/>
     <p:sldId id="355" r:id="rId28"/>
     <p:sldId id="356" r:id="rId29"/>
-    <p:sldId id="366" r:id="rId30"/>
-    <p:sldId id="361" r:id="rId31"/>
-    <p:sldId id="362" r:id="rId32"/>
-    <p:sldId id="363" r:id="rId33"/>
-    <p:sldId id="364" r:id="rId34"/>
-    <p:sldId id="365" r:id="rId35"/>
-    <p:sldId id="358" r:id="rId36"/>
-    <p:sldId id="359" r:id="rId37"/>
-    <p:sldId id="352" r:id="rId38"/>
-    <p:sldId id="374" r:id="rId39"/>
+    <p:sldId id="361" r:id="rId30"/>
+    <p:sldId id="362" r:id="rId31"/>
+    <p:sldId id="363" r:id="rId32"/>
+    <p:sldId id="364" r:id="rId33"/>
+    <p:sldId id="365" r:id="rId34"/>
+    <p:sldId id="358" r:id="rId35"/>
+    <p:sldId id="359" r:id="rId36"/>
+    <p:sldId id="352" r:id="rId37"/>
+    <p:sldId id="374" r:id="rId38"/>
+    <p:sldId id="382" r:id="rId39"/>
     <p:sldId id="330" r:id="rId40"/>
     <p:sldId id="331" r:id="rId41"/>
     <p:sldId id="332" r:id="rId42"/>
@@ -240,7 +240,7 @@
           <a:p>
             <a:fld id="{E192F2FE-B025-4FDD-82BC-411D92AF2801}" type="datetimeFigureOut">
               <a:rPr lang="zh-CN" altLang="en-US" smtClean="0"/>
-              <a:t>2018/9/28</a:t>
+              <a:t>2019/9/26</a:t>
             </a:fld>
             <a:endParaRPr lang="zh-CN" altLang="en-US"/>
           </a:p>
@@ -4782,6 +4782,9 @@
             </a:r>
             <a:r>
               <a:rPr lang="en-US" altLang="zh-CN" dirty="0" smtClean="0">
+                <a:solidFill>
+                  <a:srgbClr val="FF0000"/>
+                </a:solidFill>
                 <a:ea typeface="宋体" charset="-122"/>
               </a:rPr>
               <a:t>time ./xxx </a:t>
@@ -12500,7 +12503,7 @@
         <p:spPr bwMode="auto">
           <a:xfrm>
             <a:off x="539750" y="1262063"/>
-            <a:ext cx="8135938" cy="5262979"/>
+            <a:ext cx="8135938" cy="2308324"/>
           </a:xfrm>
           <a:prstGeom prst="rect">
             <a:avLst/>
@@ -12631,22 +12634,28 @@
               <a:buNone/>
             </a:pPr>
             <a:r>
+              <a:rPr lang="en-US" altLang="zh-CN" sz="2400" dirty="0" smtClean="0">
+                <a:ea typeface="宋体" charset="-122"/>
+              </a:rPr>
+              <a:t>void </a:t>
+            </a:r>
+            <a:r>
               <a:rPr lang="en-US" altLang="zh-CN" sz="2400" dirty="0">
                 <a:ea typeface="宋体" charset="-122"/>
               </a:rPr>
-              <a:t>#</a:t>
+              <a:t>mytool1_print(char *</a:t>
             </a:r>
             <a:r>
               <a:rPr lang="en-US" altLang="zh-CN" sz="2400" dirty="0" err="1">
                 <a:ea typeface="宋体" charset="-122"/>
               </a:rPr>
-              <a:t>ifndef</a:t>
+              <a:t>print_str</a:t>
             </a:r>
             <a:r>
               <a:rPr lang="en-US" altLang="zh-CN" sz="2400" dirty="0">
                 <a:ea typeface="宋体" charset="-122"/>
               </a:rPr>
-              <a:t>  _MYTOOL_1_H </a:t>
+              <a:t>); </a:t>
             </a:r>
           </a:p>
           <a:p>
@@ -12654,195 +12663,60 @@
               <a:buFont typeface="Arial" charset="0"/>
               <a:buNone/>
             </a:pPr>
-            <a:r>
-              <a:rPr lang="en-US" altLang="zh-CN" sz="2400" dirty="0">
-                <a:ea typeface="宋体" charset="-122"/>
-              </a:rPr>
-              <a:t>#define  _MYTOOL_1_H </a:t>
-            </a:r>
+            <a:endParaRPr lang="en-US" altLang="zh-CN" sz="2400" dirty="0">
+              <a:ea typeface="宋体" charset="-122"/>
+            </a:endParaRPr>
           </a:p>
           <a:p>
             <a:pPr eaLnBrk="1" hangingPunct="1">
               <a:buFont typeface="Arial" charset="0"/>
               <a:buNone/>
             </a:pPr>
+            <a:r>
+              <a:rPr lang="en-US" altLang="zh-CN" sz="2400" dirty="0">
+                <a:ea typeface="宋体" charset="-122"/>
+              </a:rPr>
+              <a:t>/*mytool2.h*/</a:t>
+            </a:r>
+          </a:p>
+          <a:p>
+            <a:pPr eaLnBrk="1" hangingPunct="1">
+              <a:buFont typeface="Arial" charset="0"/>
+              <a:buNone/>
+            </a:pPr>
+            <a:r>
+              <a:rPr lang="en-US" altLang="zh-CN" sz="2400" dirty="0" smtClean="0">
+                <a:ea typeface="宋体" charset="-122"/>
+              </a:rPr>
+              <a:t>void </a:t>
+            </a:r>
+            <a:r>
+              <a:rPr lang="en-US" altLang="zh-CN" sz="2400" dirty="0">
+                <a:ea typeface="宋体" charset="-122"/>
+              </a:rPr>
+              <a:t>mytool2_print(char *</a:t>
+            </a:r>
+            <a:r>
+              <a:rPr lang="en-US" altLang="zh-CN" sz="2400" dirty="0" err="1">
+                <a:ea typeface="宋体" charset="-122"/>
+              </a:rPr>
+              <a:t>print_str</a:t>
+            </a:r>
+            <a:r>
+              <a:rPr lang="en-US" altLang="zh-CN" sz="2400" dirty="0">
+                <a:ea typeface="宋体" charset="-122"/>
+              </a:rPr>
+              <a:t>); </a:t>
+            </a:r>
+          </a:p>
+          <a:p>
+            <a:pPr eaLnBrk="1" hangingPunct="1">
+              <a:buFont typeface="Arial" charset="0"/>
+              <a:buNone/>
+            </a:pPr>
             <a:endParaRPr lang="en-US" altLang="zh-CN" sz="2400" dirty="0">
               <a:ea typeface="宋体" charset="-122"/>
             </a:endParaRPr>
-          </a:p>
-          <a:p>
-            <a:pPr eaLnBrk="1" hangingPunct="1">
-              <a:buFont typeface="Arial" charset="0"/>
-              <a:buNone/>
-            </a:pPr>
-            <a:r>
-              <a:rPr lang="en-US" altLang="zh-CN" sz="2400" dirty="0">
-                <a:ea typeface="宋体" charset="-122"/>
-              </a:rPr>
-              <a:t>void mytool1_print(char *</a:t>
-            </a:r>
-            <a:r>
-              <a:rPr lang="en-US" altLang="zh-CN" sz="2400" dirty="0" err="1">
-                <a:ea typeface="宋体" charset="-122"/>
-              </a:rPr>
-              <a:t>print_str</a:t>
-            </a:r>
-            <a:r>
-              <a:rPr lang="en-US" altLang="zh-CN" sz="2400" dirty="0">
-                <a:ea typeface="宋体" charset="-122"/>
-              </a:rPr>
-              <a:t>); </a:t>
-            </a:r>
-          </a:p>
-          <a:p>
-            <a:pPr eaLnBrk="1" hangingPunct="1">
-              <a:buFont typeface="Arial" charset="0"/>
-              <a:buNone/>
-            </a:pPr>
-            <a:r>
-              <a:rPr lang="en-US" altLang="zh-CN" sz="2400" dirty="0" smtClean="0">
-                <a:ea typeface="宋体" charset="-122"/>
-              </a:rPr>
-              <a:t>#</a:t>
-            </a:r>
-            <a:r>
-              <a:rPr lang="en-US" altLang="zh-CN" sz="2400" dirty="0" err="1">
-                <a:ea typeface="宋体" charset="-122"/>
-              </a:rPr>
-              <a:t>endif</a:t>
-            </a:r>
-            <a:r>
-              <a:rPr lang="en-US" altLang="zh-CN" sz="2400" dirty="0">
-                <a:ea typeface="宋体" charset="-122"/>
-              </a:rPr>
-              <a:t> </a:t>
-            </a:r>
-            <a:endParaRPr lang="en-US" altLang="zh-CN" sz="2400" dirty="0" smtClean="0">
-              <a:ea typeface="宋体" charset="-122"/>
-            </a:endParaRPr>
-          </a:p>
-          <a:p>
-            <a:pPr eaLnBrk="1" hangingPunct="1">
-              <a:buFont typeface="Arial" charset="0"/>
-              <a:buNone/>
-            </a:pPr>
-            <a:endParaRPr lang="en-US" altLang="zh-CN" sz="2400" dirty="0">
-              <a:ea typeface="宋体" charset="-122"/>
-            </a:endParaRPr>
-          </a:p>
-          <a:p>
-            <a:pPr eaLnBrk="1" hangingPunct="1">
-              <a:buFont typeface="Arial" charset="0"/>
-              <a:buNone/>
-            </a:pPr>
-            <a:r>
-              <a:rPr lang="en-US" altLang="zh-CN" sz="2400" dirty="0">
-                <a:ea typeface="宋体" charset="-122"/>
-              </a:rPr>
-              <a:t>/*mytool2.h*/</a:t>
-            </a:r>
-          </a:p>
-          <a:p>
-            <a:pPr eaLnBrk="1" hangingPunct="1">
-              <a:buFont typeface="Arial" charset="0"/>
-              <a:buNone/>
-            </a:pPr>
-            <a:r>
-              <a:rPr lang="en-US" altLang="zh-CN" sz="2400" dirty="0">
-                <a:ea typeface="宋体" charset="-122"/>
-              </a:rPr>
-              <a:t>#</a:t>
-            </a:r>
-            <a:r>
-              <a:rPr lang="en-US" altLang="zh-CN" sz="2400" dirty="0" err="1">
-                <a:ea typeface="宋体" charset="-122"/>
-              </a:rPr>
-              <a:t>ifndef</a:t>
-            </a:r>
-            <a:r>
-              <a:rPr lang="en-US" altLang="zh-CN" sz="2400" dirty="0">
-                <a:ea typeface="宋体" charset="-122"/>
-              </a:rPr>
-              <a:t> _MYTOOL_2_H </a:t>
-            </a:r>
-          </a:p>
-          <a:p>
-            <a:pPr eaLnBrk="1" hangingPunct="1">
-              <a:buFont typeface="Arial" charset="0"/>
-              <a:buNone/>
-            </a:pPr>
-            <a:r>
-              <a:rPr lang="en-US" altLang="zh-CN" sz="2400" dirty="0">
-                <a:ea typeface="宋体" charset="-122"/>
-              </a:rPr>
-              <a:t>#define _MYTOOL_2_H </a:t>
-            </a:r>
-          </a:p>
-          <a:p>
-            <a:pPr eaLnBrk="1" hangingPunct="1">
-              <a:buFont typeface="Arial" charset="0"/>
-              <a:buNone/>
-            </a:pPr>
-            <a:endParaRPr lang="en-US" altLang="zh-CN" sz="2400" dirty="0">
-              <a:ea typeface="宋体" charset="-122"/>
-            </a:endParaRPr>
-          </a:p>
-          <a:p>
-            <a:pPr eaLnBrk="1" hangingPunct="1">
-              <a:buFont typeface="Arial" charset="0"/>
-              <a:buNone/>
-            </a:pPr>
-            <a:r>
-              <a:rPr lang="en-US" altLang="zh-CN" sz="2400" dirty="0">
-                <a:ea typeface="宋体" charset="-122"/>
-              </a:rPr>
-              <a:t>void mytool2_print(char *</a:t>
-            </a:r>
-            <a:r>
-              <a:rPr lang="en-US" altLang="zh-CN" sz="2400" dirty="0" err="1">
-                <a:ea typeface="宋体" charset="-122"/>
-              </a:rPr>
-              <a:t>print_str</a:t>
-            </a:r>
-            <a:r>
-              <a:rPr lang="en-US" altLang="zh-CN" sz="2400" dirty="0">
-                <a:ea typeface="宋体" charset="-122"/>
-              </a:rPr>
-              <a:t>); </a:t>
-            </a:r>
-          </a:p>
-          <a:p>
-            <a:pPr eaLnBrk="1" hangingPunct="1">
-              <a:buFont typeface="Arial" charset="0"/>
-              <a:buNone/>
-            </a:pPr>
-            <a:endParaRPr lang="en-US" altLang="zh-CN" sz="2400" dirty="0">
-              <a:ea typeface="宋体" charset="-122"/>
-            </a:endParaRPr>
-          </a:p>
-          <a:p>
-            <a:pPr eaLnBrk="1" hangingPunct="1">
-              <a:buFont typeface="Arial" charset="0"/>
-              <a:buNone/>
-            </a:pPr>
-            <a:r>
-              <a:rPr lang="en-US" altLang="zh-CN" sz="2400" dirty="0">
-                <a:ea typeface="宋体" charset="-122"/>
-              </a:rPr>
-              <a:t>#</a:t>
-            </a:r>
-            <a:r>
-              <a:rPr lang="en-US" altLang="zh-CN" sz="2400" dirty="0" err="1">
-                <a:ea typeface="宋体" charset="-122"/>
-              </a:rPr>
-              <a:t>endif</a:t>
-            </a:r>
-            <a:r>
-              <a:rPr lang="en-US" altLang="zh-CN" sz="2400" dirty="0">
-                <a:ea typeface="宋体" charset="-122"/>
-              </a:rPr>
-              <a:t> </a:t>
-            </a:r>
           </a:p>
         </p:txBody>
       </p:sp>
@@ -14794,303 +14668,63 @@
       </p:grpSpPr>
       <p:sp>
         <p:nvSpPr>
-          <p:cNvPr id="33794" name="Text Box 3"/>
-          <p:cNvSpPr txBox="1">
-            <a:spLocks noChangeArrowheads="1"/>
+          <p:cNvPr id="13313" name="Rectangle 2"/>
+          <p:cNvSpPr>
+            <a:spLocks noGrp="1" noChangeArrowheads="1"/>
           </p:cNvSpPr>
-          <p:nvPr/>
+          <p:nvPr>
+            <p:ph type="title" idx="4294967295"/>
+          </p:nvPr>
         </p:nvSpPr>
-        <p:spPr bwMode="auto">
-          <a:xfrm>
-            <a:off x="2627313" y="903288"/>
-            <a:ext cx="1512887" cy="366712"/>
-          </a:xfrm>
-          <a:prstGeom prst="rect">
-            <a:avLst/>
-          </a:prstGeom>
-          <a:noFill/>
-          <a:ln>
-            <a:noFill/>
-          </a:ln>
-          <a:extLst>
-            <a:ext uri="{909E8E84-426E-40DD-AFC4-6F175D3DCCD1}">
-              <a14:hiddenFill xmlns:a14="http://schemas.microsoft.com/office/drawing/2010/main">
-                <a:solidFill>
-                  <a:srgbClr val="FFFFFF"/>
-                </a:solidFill>
-              </a14:hiddenFill>
-            </a:ext>
-            <a:ext uri="{91240B29-F687-4F45-9708-019B960494DF}">
-              <a14:hiddenLine xmlns:a14="http://schemas.microsoft.com/office/drawing/2010/main" w="9525">
-                <a:solidFill>
-                  <a:srgbClr val="000000"/>
-                </a:solidFill>
-                <a:miter lim="800000"/>
-                <a:headEnd/>
-                <a:tailEnd/>
-              </a14:hiddenLine>
-            </a:ext>
-          </a:extLst>
-        </p:spPr>
+        <p:spPr/>
         <p:txBody>
-          <a:bodyPr>
-            <a:spAutoFit/>
-          </a:bodyPr>
-          <a:lstStyle>
-            <a:lvl1pPr>
-              <a:defRPr sz="3200">
-                <a:solidFill>
-                  <a:schemeClr val="tx1"/>
-                </a:solidFill>
-                <a:latin typeface="Arial" charset="0"/>
-              </a:defRPr>
-            </a:lvl1pPr>
-            <a:lvl2pPr>
-              <a:defRPr sz="2800">
-                <a:solidFill>
-                  <a:schemeClr val="tx1"/>
-                </a:solidFill>
-                <a:latin typeface="Arial" charset="0"/>
-              </a:defRPr>
-            </a:lvl2pPr>
-            <a:lvl3pPr>
-              <a:defRPr sz="2400">
-                <a:solidFill>
-                  <a:schemeClr val="tx1"/>
-                </a:solidFill>
-                <a:latin typeface="Arial" charset="0"/>
-              </a:defRPr>
-            </a:lvl3pPr>
-            <a:lvl4pPr>
-              <a:defRPr sz="2000">
-                <a:solidFill>
-                  <a:schemeClr val="tx1"/>
-                </a:solidFill>
-                <a:latin typeface="Arial" charset="0"/>
-              </a:defRPr>
-            </a:lvl4pPr>
-            <a:lvl5pPr>
-              <a:defRPr sz="2000">
-                <a:solidFill>
-                  <a:schemeClr val="tx1"/>
-                </a:solidFill>
-                <a:latin typeface="Arial" charset="0"/>
-              </a:defRPr>
-            </a:lvl5pPr>
-            <a:lvl6pPr rtl="0">
-              <a:defRPr sz="2000">
-                <a:solidFill>
-                  <a:schemeClr val="tx1"/>
-                </a:solidFill>
-                <a:latin typeface="Arial" charset="0"/>
-              </a:defRPr>
-            </a:lvl6pPr>
-            <a:lvl7pPr rtl="0">
-              <a:defRPr sz="2000">
-                <a:solidFill>
-                  <a:schemeClr val="tx1"/>
-                </a:solidFill>
-                <a:latin typeface="Arial" charset="0"/>
-              </a:defRPr>
-            </a:lvl7pPr>
-            <a:lvl8pPr rtl="0">
-              <a:defRPr sz="2000">
-                <a:solidFill>
-                  <a:schemeClr val="tx1"/>
-                </a:solidFill>
-                <a:latin typeface="Arial" charset="0"/>
-              </a:defRPr>
-            </a:lvl8pPr>
-            <a:lvl9pPr rtl="0">
-              <a:defRPr sz="2000">
-                <a:solidFill>
-                  <a:schemeClr val="tx1"/>
-                </a:solidFill>
-                <a:latin typeface="Arial" charset="0"/>
-              </a:defRPr>
-            </a:lvl9pPr>
-          </a:lstStyle>
-          <a:p>
-            <a:pPr eaLnBrk="1" hangingPunct="1">
-              <a:spcBef>
-                <a:spcPct val="50000"/>
-              </a:spcBef>
-              <a:buFont typeface="Arial" charset="0"/>
-              <a:buNone/>
-            </a:pPr>
-            <a:endParaRPr lang="zh-CN" altLang="en-US" sz="1800">
-              <a:ea typeface="宋体" charset="-122"/>
-            </a:endParaRPr>
+          <a:bodyPr/>
+          <a:lstStyle/>
+          <a:p>
+            <a:pPr eaLnBrk="1" hangingPunct="1"/>
+            <a:r>
+              <a:rPr lang="zh-CN" altLang="en-US" smtClean="0"/>
+              <a:t>Makefile的组成</a:t>
+            </a:r>
           </a:p>
         </p:txBody>
       </p:sp>
       <p:sp>
         <p:nvSpPr>
-          <p:cNvPr id="33795" name="Text Box 4"/>
-          <p:cNvSpPr txBox="1">
-            <a:spLocks noChangeArrowheads="1"/>
+          <p:cNvPr id="13314" name="Rectangle 3"/>
+          <p:cNvSpPr>
+            <a:spLocks noGrp="1" noChangeArrowheads="1"/>
           </p:cNvSpPr>
-          <p:nvPr/>
+          <p:nvPr>
+            <p:ph type="body" idx="4294967295"/>
+          </p:nvPr>
         </p:nvSpPr>
-        <p:spPr bwMode="auto">
+        <p:spPr>
           <a:xfrm>
-            <a:off x="395536" y="1196975"/>
-            <a:ext cx="8137277" cy="4708981"/>
+            <a:off x="468313" y="1052513"/>
+            <a:ext cx="8207375" cy="5545137"/>
           </a:xfrm>
-          <a:prstGeom prst="rect">
-            <a:avLst/>
-          </a:prstGeom>
-          <a:noFill/>
-          <a:ln>
-            <a:noFill/>
-          </a:ln>
-          <a:extLst>
-            <a:ext uri="{909E8E84-426E-40DD-AFC4-6F175D3DCCD1}">
-              <a14:hiddenFill xmlns:a14="http://schemas.microsoft.com/office/drawing/2010/main">
-                <a:solidFill>
-                  <a:srgbClr val="FFFFFF"/>
-                </a:solidFill>
-              </a14:hiddenFill>
-            </a:ext>
-            <a:ext uri="{91240B29-F687-4F45-9708-019B960494DF}">
-              <a14:hiddenLine xmlns:a14="http://schemas.microsoft.com/office/drawing/2010/main" w="9525">
-                <a:solidFill>
-                  <a:srgbClr val="000000"/>
-                </a:solidFill>
-                <a:miter lim="800000"/>
-                <a:headEnd/>
-                <a:tailEnd/>
-              </a14:hiddenLine>
-            </a:ext>
-          </a:extLst>
         </p:spPr>
         <p:txBody>
-          <a:bodyPr wrap="square">
-            <a:spAutoFit/>
-          </a:bodyPr>
-          <a:lstStyle>
-            <a:lvl1pPr>
-              <a:defRPr sz="3200">
-                <a:solidFill>
-                  <a:schemeClr val="tx1"/>
-                </a:solidFill>
-                <a:latin typeface="Arial" charset="0"/>
-              </a:defRPr>
-            </a:lvl1pPr>
-            <a:lvl2pPr>
-              <a:defRPr sz="2800">
-                <a:solidFill>
-                  <a:schemeClr val="tx1"/>
-                </a:solidFill>
-                <a:latin typeface="Arial" charset="0"/>
-              </a:defRPr>
-            </a:lvl2pPr>
-            <a:lvl3pPr>
-              <a:defRPr sz="2400">
-                <a:solidFill>
-                  <a:schemeClr val="tx1"/>
-                </a:solidFill>
-                <a:latin typeface="Arial" charset="0"/>
-              </a:defRPr>
-            </a:lvl3pPr>
-            <a:lvl4pPr>
-              <a:defRPr sz="2000">
-                <a:solidFill>
-                  <a:schemeClr val="tx1"/>
-                </a:solidFill>
-                <a:latin typeface="Arial" charset="0"/>
-              </a:defRPr>
-            </a:lvl4pPr>
-            <a:lvl5pPr>
-              <a:defRPr sz="2000">
-                <a:solidFill>
-                  <a:schemeClr val="tx1"/>
-                </a:solidFill>
-                <a:latin typeface="Arial" charset="0"/>
-              </a:defRPr>
-            </a:lvl5pPr>
-            <a:lvl6pPr rtl="0">
-              <a:defRPr sz="2000">
-                <a:solidFill>
-                  <a:schemeClr val="tx1"/>
-                </a:solidFill>
-                <a:latin typeface="Arial" charset="0"/>
-              </a:defRPr>
-            </a:lvl6pPr>
-            <a:lvl7pPr rtl="0">
-              <a:defRPr sz="2000">
-                <a:solidFill>
-                  <a:schemeClr val="tx1"/>
-                </a:solidFill>
-                <a:latin typeface="Arial" charset="0"/>
-              </a:defRPr>
-            </a:lvl7pPr>
-            <a:lvl8pPr rtl="0">
-              <a:defRPr sz="2000">
-                <a:solidFill>
-                  <a:schemeClr val="tx1"/>
-                </a:solidFill>
-                <a:latin typeface="Arial" charset="0"/>
-              </a:defRPr>
-            </a:lvl8pPr>
-            <a:lvl9pPr rtl="0">
-              <a:defRPr sz="2000">
-                <a:solidFill>
-                  <a:schemeClr val="tx1"/>
-                </a:solidFill>
-                <a:latin typeface="Arial" charset="0"/>
-              </a:defRPr>
-            </a:lvl9pPr>
-          </a:lstStyle>
+          <a:bodyPr/>
+          <a:lstStyle/>
           <a:p>
             <a:pPr eaLnBrk="1" hangingPunct="1">
               <a:lnSpc>
                 <a:spcPct val="150000"/>
               </a:lnSpc>
-              <a:buFont typeface="Arial" charset="0"/>
-              <a:buNone/>
-            </a:pPr>
-            <a:r>
-              <a:rPr lang="en-US" altLang="zh-CN" sz="2000" dirty="0" smtClean="0">
-                <a:ea typeface="宋体" charset="-122"/>
-                <a:cs typeface="Arial" charset="0"/>
-              </a:rPr>
-              <a:t>1</a:t>
-            </a:r>
-            <a:r>
-              <a:rPr lang="en-US" altLang="zh-CN" sz="2000" dirty="0">
-                <a:ea typeface="宋体" charset="-122"/>
-                <a:cs typeface="Arial" charset="0"/>
-              </a:rPr>
-              <a:t>. make</a:t>
-            </a:r>
-            <a:r>
-              <a:rPr lang="zh-CN" altLang="en-US" sz="2000" dirty="0">
-                <a:ea typeface="宋体" charset="-122"/>
-                <a:cs typeface="Arial" charset="0"/>
-              </a:rPr>
-              <a:t>会在当前目录下找名字为“</a:t>
-            </a:r>
-            <a:r>
-              <a:rPr lang="en-US" altLang="zh-CN" sz="2000" dirty="0" err="1">
-                <a:ea typeface="宋体" charset="-122"/>
-                <a:cs typeface="Arial" charset="0"/>
-              </a:rPr>
-              <a:t>makefile</a:t>
-            </a:r>
-            <a:r>
-              <a:rPr lang="en-US" altLang="zh-CN" sz="2000" dirty="0">
-                <a:ea typeface="宋体" charset="-122"/>
-                <a:cs typeface="Arial" charset="0"/>
-              </a:rPr>
-              <a:t>”</a:t>
-            </a:r>
-            <a:r>
-              <a:rPr lang="zh-CN" altLang="en-US" sz="2000" dirty="0">
-                <a:ea typeface="宋体" charset="-122"/>
-                <a:cs typeface="Arial" charset="0"/>
-              </a:rPr>
-              <a:t>的文件</a:t>
+            </a:pPr>
+            <a:r>
+              <a:rPr lang="zh-CN" altLang="en-US" sz="2000" b="1" dirty="0" smtClean="0">
+                <a:latin typeface="宋体" pitchFamily="2" charset="-122"/>
+              </a:rPr>
+              <a:t>变量的定义:</a:t>
+            </a:r>
+            <a:r>
+              <a:rPr lang="zh-CN" altLang="en-US" sz="2000" dirty="0" smtClean="0">
+                <a:latin typeface="宋体" pitchFamily="2" charset="-122"/>
+              </a:rPr>
+              <a:t> 在Makefile中可定义一系列的变量，变量一般都是字符串，当Makefile被执行时，其中的变量都会被扩展到相应的引用位置上</a:t>
             </a:r>
           </a:p>
           <a:p>
@@ -15098,221 +14732,77 @@
               <a:lnSpc>
                 <a:spcPct val="150000"/>
               </a:lnSpc>
-              <a:buFont typeface="Arial" charset="0"/>
-              <a:buNone/>
-            </a:pPr>
-            <a:r>
-              <a:rPr lang="en-US" altLang="zh-CN" sz="2000" dirty="0">
-                <a:ea typeface="宋体" charset="-122"/>
-                <a:cs typeface="Arial" charset="0"/>
-              </a:rPr>
-              <a:t>2.</a:t>
-            </a:r>
-            <a:r>
-              <a:rPr lang="zh-CN" altLang="en-US" sz="2000" dirty="0">
-                <a:ea typeface="宋体" charset="-122"/>
-                <a:cs typeface="Arial" charset="0"/>
-              </a:rPr>
-              <a:t>如果找到，它会找文件中的第一个目标文件（如</a:t>
-            </a:r>
-            <a:r>
-              <a:rPr lang="en-US" altLang="zh-CN" sz="2000" dirty="0">
-                <a:ea typeface="宋体" charset="-122"/>
-                <a:cs typeface="Arial" charset="0"/>
-              </a:rPr>
-              <a:t>main</a:t>
-            </a:r>
-            <a:r>
-              <a:rPr lang="zh-CN" altLang="en-US" sz="2000" dirty="0">
-                <a:ea typeface="宋体" charset="-122"/>
-                <a:cs typeface="Arial" charset="0"/>
-              </a:rPr>
-              <a:t>），并把这个文件做为最终的目标文件。</a:t>
-            </a:r>
-            <a:r>
-              <a:rPr lang="zh-CN" altLang="en-US" sz="1600" dirty="0">
-                <a:ea typeface="宋体" charset="-122"/>
-                <a:cs typeface="Arial" charset="0"/>
-              </a:rPr>
-              <a:t> </a:t>
-            </a:r>
+            </a:pPr>
+            <a:r>
+              <a:rPr lang="zh-CN" altLang="en-US" sz="2000" b="1" dirty="0" smtClean="0">
+                <a:latin typeface="宋体" pitchFamily="2" charset="-122"/>
+              </a:rPr>
+              <a:t>文件指示: </a:t>
+            </a:r>
+            <a:r>
+              <a:rPr lang="zh-CN" altLang="en-US" sz="2000" dirty="0" smtClean="0">
+                <a:latin typeface="宋体" pitchFamily="2" charset="-122"/>
+              </a:rPr>
+              <a:t>包括了三个部分。</a:t>
+            </a:r>
+          </a:p>
+          <a:p>
+            <a:pPr lvl="1" eaLnBrk="1" hangingPunct="1">
+              <a:lnSpc>
+                <a:spcPct val="150000"/>
+              </a:lnSpc>
+            </a:pPr>
+            <a:r>
+              <a:rPr lang="zh-CN" altLang="en-US" sz="2000" dirty="0" smtClean="0">
+                <a:latin typeface="宋体" pitchFamily="2" charset="-122"/>
+              </a:rPr>
+              <a:t>在一个Makefile中引用另一个Makefile</a:t>
+            </a:r>
+          </a:p>
+          <a:p>
+            <a:pPr lvl="1" eaLnBrk="1" hangingPunct="1">
+              <a:lnSpc>
+                <a:spcPct val="150000"/>
+              </a:lnSpc>
+            </a:pPr>
+            <a:r>
+              <a:rPr lang="zh-CN" altLang="en-US" sz="2000" dirty="0" smtClean="0">
+                <a:latin typeface="宋体" pitchFamily="2" charset="-122"/>
+              </a:rPr>
+              <a:t>定义一个多行的命令。</a:t>
+            </a:r>
+          </a:p>
+          <a:p>
+            <a:pPr lvl="1" eaLnBrk="1" hangingPunct="1">
+              <a:lnSpc>
+                <a:spcPct val="150000"/>
+              </a:lnSpc>
+            </a:pPr>
+            <a:endParaRPr lang="zh-CN" altLang="en-US" sz="2000" dirty="0" smtClean="0">
+              <a:latin typeface="宋体" pitchFamily="2" charset="-122"/>
+            </a:endParaRPr>
           </a:p>
           <a:p>
             <a:pPr eaLnBrk="1" hangingPunct="1">
               <a:lnSpc>
                 <a:spcPct val="150000"/>
               </a:lnSpc>
-              <a:buFont typeface="Arial" charset="0"/>
-              <a:buNone/>
-            </a:pPr>
-            <a:r>
-              <a:rPr lang="en-US" altLang="zh-CN" sz="2000" dirty="0">
-                <a:ea typeface="宋体" charset="-122"/>
-                <a:cs typeface="Arial" charset="0"/>
-              </a:rPr>
-              <a:t>3. </a:t>
-            </a:r>
-            <a:r>
-              <a:rPr lang="zh-CN" altLang="en-US" sz="2000" dirty="0">
-                <a:ea typeface="宋体" charset="-122"/>
-                <a:cs typeface="Arial" charset="0"/>
-              </a:rPr>
-              <a:t>如果目标文件不存在，或者目标所依赖的文件的修改时间比目标文件新，</a:t>
-            </a:r>
-            <a:r>
-              <a:rPr lang="en-US" altLang="zh-CN" sz="2000" dirty="0">
-                <a:ea typeface="宋体" charset="-122"/>
-                <a:cs typeface="Arial" charset="0"/>
-              </a:rPr>
-              <a:t>make</a:t>
-            </a:r>
-            <a:r>
-              <a:rPr lang="zh-CN" altLang="en-US" sz="2000" dirty="0">
-                <a:ea typeface="宋体" charset="-122"/>
-                <a:cs typeface="Arial" charset="0"/>
-              </a:rPr>
-              <a:t>就会执行后面所定义的规则来生成目标文件。</a:t>
-            </a:r>
-          </a:p>
-          <a:p>
-            <a:pPr eaLnBrk="1" hangingPunct="1">
-              <a:lnSpc>
-                <a:spcPct val="150000"/>
-              </a:lnSpc>
-              <a:buFont typeface="Arial" charset="0"/>
-              <a:buNone/>
-            </a:pPr>
-            <a:r>
-              <a:rPr lang="en-US" altLang="zh-CN" sz="2000" dirty="0">
-                <a:ea typeface="宋体" charset="-122"/>
-                <a:cs typeface="Arial" charset="0"/>
-              </a:rPr>
-              <a:t>4. </a:t>
-            </a:r>
-            <a:r>
-              <a:rPr lang="zh-CN" altLang="en-US" sz="2000" dirty="0">
-                <a:ea typeface="宋体" charset="-122"/>
-                <a:cs typeface="Arial" charset="0"/>
-              </a:rPr>
-              <a:t>如果目标和目标依赖的文件都存在，且修改时间最新，则根据依赖文件的依赖关系和文件修改时间决定是否按规则生成依赖文件，以此类推。</a:t>
-            </a:r>
-          </a:p>
-          <a:p>
-            <a:pPr eaLnBrk="1" hangingPunct="1">
-              <a:lnSpc>
-                <a:spcPct val="150000"/>
-              </a:lnSpc>
-              <a:buFont typeface="Arial" charset="0"/>
-              <a:buNone/>
-            </a:pPr>
-            <a:r>
-              <a:rPr lang="en-US" altLang="zh-CN" sz="2000" dirty="0">
-                <a:ea typeface="宋体" charset="-122"/>
-                <a:cs typeface="Arial" charset="0"/>
-              </a:rPr>
-              <a:t>5. </a:t>
-            </a:r>
-            <a:r>
-              <a:rPr lang="zh-CN" altLang="en-US" sz="2000" dirty="0">
-                <a:ea typeface="宋体" charset="-122"/>
-                <a:cs typeface="Arial" charset="0"/>
-              </a:rPr>
-              <a:t>如果所有文件都找到，</a:t>
-            </a:r>
-            <a:r>
-              <a:rPr lang="en-US" altLang="zh-CN" sz="2000" dirty="0">
-                <a:ea typeface="宋体" charset="-122"/>
-                <a:cs typeface="Arial" charset="0"/>
-              </a:rPr>
-              <a:t>make</a:t>
-            </a:r>
-            <a:r>
-              <a:rPr lang="zh-CN" altLang="en-US" sz="2000" dirty="0">
-                <a:ea typeface="宋体" charset="-122"/>
-                <a:cs typeface="Arial" charset="0"/>
-              </a:rPr>
-              <a:t>先生成中间依赖文件（例如</a:t>
-            </a:r>
-            <a:r>
-              <a:rPr lang="en-US" altLang="zh-CN" sz="2000" dirty="0">
-                <a:ea typeface="宋体" charset="-122"/>
-                <a:cs typeface="Arial" charset="0"/>
-              </a:rPr>
-              <a:t>.o</a:t>
-            </a:r>
-            <a:r>
-              <a:rPr lang="zh-CN" altLang="en-US" sz="2000" dirty="0">
-                <a:ea typeface="宋体" charset="-122"/>
-                <a:cs typeface="Arial" charset="0"/>
-              </a:rPr>
-              <a:t>文件），再用依赖文件生成最终的目标文件。</a:t>
-            </a:r>
-          </a:p>
-          <a:p>
-            <a:pPr eaLnBrk="1" hangingPunct="1">
-              <a:lnSpc>
-                <a:spcPct val="150000"/>
-              </a:lnSpc>
-              <a:buFont typeface="Arial" charset="0"/>
-              <a:buNone/>
-            </a:pPr>
-            <a:endParaRPr lang="zh-CN" altLang="en-US" sz="2000" dirty="0">
-              <a:ea typeface="宋体" charset="-122"/>
-              <a:cs typeface="Arial" charset="0"/>
-            </a:endParaRPr>
-          </a:p>
-        </p:txBody>
-      </p:sp>
-      <p:sp>
-        <p:nvSpPr>
-          <p:cNvPr id="32773" name="Rectangle 2"/>
-          <p:cNvSpPr txBox="1"/>
-          <p:nvPr/>
-        </p:nvSpPr>
-        <p:spPr>
-          <a:xfrm>
-            <a:off x="323850" y="0"/>
-            <a:ext cx="8561388" cy="1219200"/>
-          </a:xfrm>
-          <a:prstGeom prst="rect">
-            <a:avLst/>
-          </a:prstGeom>
-          <a:noFill/>
-          <a:ln w="9525">
-            <a:noFill/>
-          </a:ln>
-        </p:spPr>
-        <p:txBody>
-          <a:bodyPr anchor="ctr"/>
-          <a:lstStyle/>
-          <a:p>
-            <a:pPr>
-              <a:spcBef>
-                <a:spcPct val="10000"/>
-              </a:spcBef>
-              <a:buClr>
-                <a:srgbClr val="00B050"/>
-              </a:buClr>
-            </a:pPr>
-            <a:r>
-              <a:rPr lang="en-US" altLang="zh-CN" sz="3200" dirty="0">
-                <a:solidFill>
-                  <a:schemeClr val="bg1"/>
-                </a:solidFill>
-                <a:ea typeface="宋体" charset="-122"/>
-                <a:cs typeface="Arial" charset="0"/>
-              </a:rPr>
-              <a:t>make</a:t>
-            </a:r>
-            <a:r>
-              <a:rPr lang="zh-CN" altLang="en-US" sz="3200" dirty="0">
-                <a:solidFill>
-                  <a:schemeClr val="bg1"/>
-                </a:solidFill>
-                <a:ea typeface="宋体" charset="-122"/>
-                <a:cs typeface="Arial" charset="0"/>
-              </a:rPr>
-              <a:t>的工作过程</a:t>
+            </a:pPr>
+            <a:r>
+              <a:rPr lang="zh-CN" altLang="en-US" sz="2000" b="1" dirty="0" smtClean="0">
+                <a:latin typeface="宋体" pitchFamily="2" charset="-122"/>
+              </a:rPr>
+              <a:t>注释</a:t>
+            </a:r>
+            <a:r>
+              <a:rPr lang="zh-CN" altLang="en-US" sz="2000" dirty="0" smtClean="0">
+                <a:latin typeface="宋体" pitchFamily="2" charset="-122"/>
+              </a:rPr>
+              <a:t>： Makefile注释使用</a:t>
+            </a:r>
+            <a:r>
+              <a:rPr lang="zh-CN" altLang="en-US" sz="2000" dirty="0" smtClean="0"/>
+              <a:t>"#"，若Makefile需要用到“#”，则需要做转义“\#”。</a:t>
             </a:r>
           </a:p>
         </p:txBody>
@@ -15320,21 +14810,13 @@
     </p:spTree>
     <p:extLst>
       <p:ext uri="{BB962C8B-B14F-4D97-AF65-F5344CB8AC3E}">
-        <p14:creationId xmlns:p14="http://schemas.microsoft.com/office/powerpoint/2010/main" val="2242997123"/>
+        <p14:creationId xmlns:p14="http://schemas.microsoft.com/office/powerpoint/2010/main" val="3401154668"/>
       </p:ext>
     </p:extLst>
   </p:cSld>
   <p:clrMapOvr>
     <a:masterClrMapping/>
   </p:clrMapOvr>
-  <p:transition/>
-  <p:timing>
-    <p:tnLst>
-      <p:par>
-        <p:cTn id="1" dur="indefinite" restart="never" nodeType="tmRoot"/>
-      </p:par>
-    </p:tnLst>
-  </p:timing>
 </p:sld>
 </file>
 
@@ -15701,190 +15183,6 @@
       </p:grpSpPr>
       <p:sp>
         <p:nvSpPr>
-          <p:cNvPr id="13313" name="Rectangle 2"/>
-          <p:cNvSpPr>
-            <a:spLocks noGrp="1" noChangeArrowheads="1"/>
-          </p:cNvSpPr>
-          <p:nvPr>
-            <p:ph type="title" idx="4294967295"/>
-          </p:nvPr>
-        </p:nvSpPr>
-        <p:spPr/>
-        <p:txBody>
-          <a:bodyPr/>
-          <a:lstStyle/>
-          <a:p>
-            <a:pPr eaLnBrk="1" hangingPunct="1"/>
-            <a:r>
-              <a:rPr lang="zh-CN" altLang="en-US" smtClean="0"/>
-              <a:t>Makefile的组成</a:t>
-            </a:r>
-          </a:p>
-        </p:txBody>
-      </p:sp>
-      <p:sp>
-        <p:nvSpPr>
-          <p:cNvPr id="13314" name="Rectangle 3"/>
-          <p:cNvSpPr>
-            <a:spLocks noGrp="1" noChangeArrowheads="1"/>
-          </p:cNvSpPr>
-          <p:nvPr>
-            <p:ph type="body" idx="4294967295"/>
-          </p:nvPr>
-        </p:nvSpPr>
-        <p:spPr>
-          <a:xfrm>
-            <a:off x="468313" y="1052513"/>
-            <a:ext cx="8207375" cy="5545137"/>
-          </a:xfrm>
-        </p:spPr>
-        <p:txBody>
-          <a:bodyPr/>
-          <a:lstStyle/>
-          <a:p>
-            <a:pPr eaLnBrk="1" hangingPunct="1">
-              <a:lnSpc>
-                <a:spcPct val="150000"/>
-              </a:lnSpc>
-            </a:pPr>
-            <a:r>
-              <a:rPr lang="zh-CN" altLang="en-US" sz="2000" b="1" dirty="0" smtClean="0">
-                <a:latin typeface="宋体" pitchFamily="2" charset="-122"/>
-              </a:rPr>
-              <a:t>变量的定义:</a:t>
-            </a:r>
-            <a:r>
-              <a:rPr lang="zh-CN" altLang="en-US" sz="2000" dirty="0" smtClean="0">
-                <a:latin typeface="宋体" pitchFamily="2" charset="-122"/>
-              </a:rPr>
-              <a:t> 在Makefile中可定义一系列的变量，变量一般都是字符串，当Makefile被执行时，其中的变量都会被扩展到相应的引用位置上</a:t>
-            </a:r>
-          </a:p>
-          <a:p>
-            <a:pPr eaLnBrk="1" hangingPunct="1">
-              <a:lnSpc>
-                <a:spcPct val="150000"/>
-              </a:lnSpc>
-            </a:pPr>
-            <a:r>
-              <a:rPr lang="zh-CN" altLang="en-US" sz="2000" b="1" dirty="0" smtClean="0">
-                <a:latin typeface="宋体" pitchFamily="2" charset="-122"/>
-              </a:rPr>
-              <a:t>文件指示: </a:t>
-            </a:r>
-            <a:r>
-              <a:rPr lang="zh-CN" altLang="en-US" sz="2000" dirty="0" smtClean="0">
-                <a:latin typeface="宋体" pitchFamily="2" charset="-122"/>
-              </a:rPr>
-              <a:t>包括了三个部分。</a:t>
-            </a:r>
-          </a:p>
-          <a:p>
-            <a:pPr lvl="1" eaLnBrk="1" hangingPunct="1">
-              <a:lnSpc>
-                <a:spcPct val="150000"/>
-              </a:lnSpc>
-            </a:pPr>
-            <a:r>
-              <a:rPr lang="zh-CN" altLang="en-US" sz="2000" dirty="0" smtClean="0">
-                <a:latin typeface="宋体" pitchFamily="2" charset="-122"/>
-              </a:rPr>
-              <a:t>在一个Makefile中引用另一个Makefile</a:t>
-            </a:r>
-          </a:p>
-          <a:p>
-            <a:pPr lvl="1" eaLnBrk="1" hangingPunct="1">
-              <a:lnSpc>
-                <a:spcPct val="150000"/>
-              </a:lnSpc>
-            </a:pPr>
-            <a:r>
-              <a:rPr lang="zh-CN" altLang="en-US" sz="2000" dirty="0" smtClean="0">
-                <a:latin typeface="宋体" pitchFamily="2" charset="-122"/>
-              </a:rPr>
-              <a:t>根据某些情况指定执行Makefile中的有效部分</a:t>
-            </a:r>
-          </a:p>
-          <a:p>
-            <a:pPr lvl="1" eaLnBrk="1" hangingPunct="1">
-              <a:lnSpc>
-                <a:spcPct val="150000"/>
-              </a:lnSpc>
-            </a:pPr>
-            <a:r>
-              <a:rPr lang="zh-CN" altLang="en-US" sz="2000" dirty="0" smtClean="0">
-                <a:latin typeface="宋体" pitchFamily="2" charset="-122"/>
-              </a:rPr>
-              <a:t>定义一个多行的命令。</a:t>
-            </a:r>
-          </a:p>
-          <a:p>
-            <a:pPr lvl="1" eaLnBrk="1" hangingPunct="1">
-              <a:lnSpc>
-                <a:spcPct val="150000"/>
-              </a:lnSpc>
-            </a:pPr>
-            <a:endParaRPr lang="zh-CN" altLang="en-US" sz="2000" dirty="0" smtClean="0">
-              <a:latin typeface="宋体" pitchFamily="2" charset="-122"/>
-            </a:endParaRPr>
-          </a:p>
-          <a:p>
-            <a:pPr eaLnBrk="1" hangingPunct="1">
-              <a:lnSpc>
-                <a:spcPct val="150000"/>
-              </a:lnSpc>
-            </a:pPr>
-            <a:r>
-              <a:rPr lang="zh-CN" altLang="en-US" sz="2000" b="1" dirty="0" smtClean="0">
-                <a:latin typeface="宋体" pitchFamily="2" charset="-122"/>
-              </a:rPr>
-              <a:t>注释</a:t>
-            </a:r>
-            <a:r>
-              <a:rPr lang="zh-CN" altLang="en-US" sz="2000" dirty="0" smtClean="0">
-                <a:latin typeface="宋体" pitchFamily="2" charset="-122"/>
-              </a:rPr>
-              <a:t>： Makefile注释使用</a:t>
-            </a:r>
-            <a:r>
-              <a:rPr lang="zh-CN" altLang="en-US" sz="2000" dirty="0" smtClean="0"/>
-              <a:t>"#"，若Makefile需要用到“#”，则需要做转义“\#”。</a:t>
-            </a:r>
-          </a:p>
-        </p:txBody>
-      </p:sp>
-    </p:spTree>
-    <p:extLst>
-      <p:ext uri="{BB962C8B-B14F-4D97-AF65-F5344CB8AC3E}">
-        <p14:creationId xmlns:p14="http://schemas.microsoft.com/office/powerpoint/2010/main" val="3401154668"/>
-      </p:ext>
-    </p:extLst>
-  </p:cSld>
-  <p:clrMapOvr>
-    <a:masterClrMapping/>
-  </p:clrMapOvr>
-</p:sld>
-</file>
-
-<file path=ppt/slides/slide31.xml><?xml version="1.0" encoding="utf-8"?>
-<p:sld xmlns:a="http://schemas.openxmlformats.org/drawingml/2006/main" xmlns:r="http://schemas.openxmlformats.org/officeDocument/2006/relationships" xmlns:p="http://schemas.openxmlformats.org/presentationml/2006/main">
-  <p:cSld>
-    <p:spTree>
-      <p:nvGrpSpPr>
-        <p:cNvPr id="1" name=""/>
-        <p:cNvGrpSpPr/>
-        <p:nvPr/>
-      </p:nvGrpSpPr>
-      <p:grpSpPr>
-        <a:xfrm>
-          <a:off x="0" y="0"/>
-          <a:ext cx="0" cy="0"/>
-          <a:chOff x="0" y="0"/>
-          <a:chExt cx="0" cy="0"/>
-        </a:xfrm>
-      </p:grpSpPr>
-      <p:sp>
-        <p:nvSpPr>
           <p:cNvPr id="14337" name="Rectangle 2"/>
           <p:cNvSpPr>
             <a:spLocks noGrp="1" noChangeArrowheads="1"/>
@@ -16549,7 +15847,7 @@
 </p:sld>
 </file>
 
-<file path=ppt/slides/slide32.xml><?xml version="1.0" encoding="utf-8"?>
+<file path=ppt/slides/slide31.xml><?xml version="1.0" encoding="utf-8"?>
 <p:sld xmlns:a="http://schemas.openxmlformats.org/drawingml/2006/main" xmlns:r="http://schemas.openxmlformats.org/officeDocument/2006/relationships" xmlns:p="http://schemas.openxmlformats.org/presentationml/2006/main">
   <p:cSld>
     <p:spTree>
@@ -16813,13 +16111,13 @@
               <a:buChar char="Ø"/>
             </a:pPr>
             <a:r>
-              <a:rPr lang="zh-CN" altLang="en-US" noProof="1">
+              <a:rPr lang="zh-CN" altLang="en-US" sz="1600" noProof="1">
                 <a:cs typeface="+mn-ea"/>
               </a:rPr>
               <a:t> </a:t>
             </a:r>
             <a:r>
-              <a:rPr lang="zh-CN" altLang="en-US" noProof="1">
+              <a:rPr lang="zh-CN" altLang="en-US" sz="1600" noProof="1">
                 <a:solidFill>
                   <a:schemeClr val="hlink"/>
                 </a:solidFill>
@@ -16828,27 +16126,37 @@
               <a:t>target</a:t>
             </a:r>
             <a:r>
-              <a:rPr lang="zh-CN" altLang="en-US" noProof="1">
+              <a:rPr lang="zh-CN" altLang="en-US" sz="1600" noProof="1">
                 <a:latin typeface="宋体" panose="02010600030101010101" pitchFamily="2" charset="-122"/>
                 <a:cs typeface="+mn-ea"/>
               </a:rPr>
               <a:t>是一个</a:t>
             </a:r>
             <a:r>
-              <a:rPr lang="zh-CN" altLang="en-US" noProof="1" smtClean="0">
+              <a:rPr lang="zh-CN" altLang="en-US" sz="1600" noProof="1" smtClean="0">
+                <a:solidFill>
+                  <a:srgbClr val="FF0000"/>
+                </a:solidFill>
                 <a:latin typeface="宋体" panose="02010600030101010101" pitchFamily="2" charset="-122"/>
                 <a:cs typeface="+mn-ea"/>
               </a:rPr>
-              <a:t>目标，</a:t>
-            </a:r>
-            <a:r>
-              <a:rPr lang="zh-CN" altLang="en-US" noProof="1">
+              <a:t>目标</a:t>
+            </a:r>
+            <a:r>
+              <a:rPr lang="zh-CN" altLang="en-US" sz="1600" noProof="1" smtClean="0">
                 <a:latin typeface="宋体" panose="02010600030101010101" pitchFamily="2" charset="-122"/>
                 <a:cs typeface="+mn-ea"/>
               </a:rPr>
+              <a:t>，</a:t>
+            </a:r>
+            <a:r>
+              <a:rPr lang="zh-CN" altLang="en-US" sz="1600" noProof="1">
+                <a:latin typeface="宋体" panose="02010600030101010101" pitchFamily="2" charset="-122"/>
+                <a:cs typeface="+mn-ea"/>
+              </a:rPr>
               <a:t>可以是可执行文件或.o文件，也可以是执行动作。</a:t>
             </a:r>
-            <a:endParaRPr lang="zh-CN" altLang="en-US" noProof="1">
+            <a:endParaRPr lang="zh-CN" altLang="en-US" sz="1600" noProof="1">
               <a:latin typeface="宋体" panose="02010600030101010101" pitchFamily="2" charset="-122"/>
             </a:endParaRPr>
           </a:p>
@@ -16864,13 +16172,13 @@
               <a:buChar char="Ø"/>
             </a:pPr>
             <a:r>
-              <a:rPr lang="zh-CN" altLang="en-US" noProof="1">
+              <a:rPr lang="zh-CN" altLang="en-US" sz="1600" noProof="1">
                 <a:cs typeface="+mn-ea"/>
               </a:rPr>
               <a:t> </a:t>
             </a:r>
             <a:r>
-              <a:rPr lang="zh-CN" altLang="en-US" noProof="1">
+              <a:rPr lang="zh-CN" altLang="en-US" sz="1600" noProof="1">
                 <a:solidFill>
                   <a:schemeClr val="hlink"/>
                 </a:solidFill>
@@ -16879,7 +16187,7 @@
               <a:t>depend</a:t>
             </a:r>
             <a:r>
-              <a:rPr lang="zh-CN" altLang="en-US" noProof="1">
+              <a:rPr lang="zh-CN" altLang="en-US" sz="1600" noProof="1">
                 <a:effectLst>
                   <a:outerShdw blurRad="38100" dist="38100" dir="2700000">
                     <a:srgbClr val="FFFFFF"/>
@@ -16887,19 +16195,13 @@
                 </a:effectLst>
                 <a:cs typeface="+mn-ea"/>
               </a:rPr>
-              <a:t>目标的依赖，目标若需要成立，必须有依赖。一个</a:t>
-            </a:r>
-            <a:r>
-              <a:rPr lang="zh-CN" altLang="en-US" noProof="1">
-                <a:solidFill>
-                  <a:schemeClr val="hlink"/>
-                </a:solidFill>
-                <a:cs typeface="+mn-ea"/>
-              </a:rPr>
-              <a:t>target</a:t>
-            </a:r>
-            <a:r>
-              <a:rPr lang="zh-CN" altLang="en-US" noProof="1">
+              <a:t>目标的</a:t>
+            </a:r>
+            <a:r>
+              <a:rPr lang="zh-CN" altLang="en-US" sz="1600" noProof="1">
+                <a:solidFill>
+                  <a:srgbClr val="FF0000"/>
+                </a:solidFill>
                 <a:effectLst>
                   <a:outerShdw blurRad="38100" dist="38100" dir="2700000">
                     <a:srgbClr val="FFFFFF"/>
@@ -16907,25 +16209,10 @@
                 </a:effectLst>
                 <a:cs typeface="+mn-ea"/>
               </a:rPr>
-              <a:t>可以拥有多个</a:t>
-            </a:r>
-            <a:r>
-              <a:rPr lang="zh-CN" altLang="en-US" noProof="1">
-                <a:solidFill>
-                  <a:schemeClr val="hlink"/>
-                </a:solidFill>
-                <a:cs typeface="+mn-ea"/>
-              </a:rPr>
-              <a:t>depend</a:t>
-            </a:r>
-            <a:r>
-              <a:rPr lang="zh-CN" altLang="en-US" noProof="1">
-                <a:cs typeface="+mn-ea"/>
-              </a:rPr>
-              <a:t> </a:t>
-            </a:r>
-            <a:r>
-              <a:rPr lang="zh-CN" altLang="en-US" noProof="1">
+              <a:t>依赖</a:t>
+            </a:r>
+            <a:r>
+              <a:rPr lang="zh-CN" altLang="en-US" sz="1600" noProof="1">
                 <a:effectLst>
                   <a:outerShdw blurRad="38100" dist="38100" dir="2700000">
                     <a:srgbClr val="FFFFFF"/>
@@ -16933,9 +16220,77 @@
                 </a:effectLst>
                 <a:cs typeface="+mn-ea"/>
               </a:rPr>
+              <a:t>，目标若需要</a:t>
+            </a:r>
+            <a:r>
+              <a:rPr lang="zh-CN" altLang="en-US" sz="1600" noProof="1" smtClean="0">
+                <a:effectLst>
+                  <a:outerShdw blurRad="38100" dist="38100" dir="2700000">
+                    <a:srgbClr val="FFFFFF"/>
+                  </a:outerShdw>
+                </a:effectLst>
+                <a:cs typeface="+mn-ea"/>
+              </a:rPr>
+              <a:t>成立的依赖</a:t>
+            </a:r>
+            <a:r>
+              <a:rPr lang="zh-CN" altLang="en-US" sz="1600" noProof="1">
+                <a:effectLst>
+                  <a:outerShdw blurRad="38100" dist="38100" dir="2700000">
+                    <a:srgbClr val="FFFFFF"/>
+                  </a:outerShdw>
+                </a:effectLst>
+                <a:cs typeface="+mn-ea"/>
+              </a:rPr>
+              <a:t>。一个</a:t>
+            </a:r>
+            <a:r>
+              <a:rPr lang="zh-CN" altLang="en-US" sz="1600" noProof="1">
+                <a:solidFill>
+                  <a:schemeClr val="hlink"/>
+                </a:solidFill>
+                <a:cs typeface="+mn-ea"/>
+              </a:rPr>
+              <a:t>target</a:t>
+            </a:r>
+            <a:r>
+              <a:rPr lang="zh-CN" altLang="en-US" sz="1600" noProof="1">
+                <a:effectLst>
+                  <a:outerShdw blurRad="38100" dist="38100" dir="2700000">
+                    <a:srgbClr val="FFFFFF"/>
+                  </a:outerShdw>
+                </a:effectLst>
+                <a:cs typeface="+mn-ea"/>
+              </a:rPr>
+              <a:t>可以拥有多个</a:t>
+            </a:r>
+            <a:r>
+              <a:rPr lang="zh-CN" altLang="en-US" sz="1600" noProof="1">
+                <a:solidFill>
+                  <a:schemeClr val="hlink"/>
+                </a:solidFill>
+                <a:cs typeface="+mn-ea"/>
+              </a:rPr>
+              <a:t>depend</a:t>
+            </a:r>
+            <a:r>
+              <a:rPr lang="zh-CN" altLang="en-US" sz="1600" noProof="1">
+                <a:cs typeface="+mn-ea"/>
+              </a:rPr>
+              <a:t> </a:t>
+            </a:r>
+            <a:r>
+              <a:rPr lang="zh-CN" altLang="en-US" sz="1600" noProof="1">
+                <a:effectLst>
+                  <a:outerShdw blurRad="38100" dist="38100" dir="2700000">
+                    <a:srgbClr val="FFFFFF"/>
+                  </a:outerShdw>
+                </a:effectLst>
+                <a:cs typeface="+mn-ea"/>
+              </a:rPr>
               <a:t>。</a:t>
             </a:r>
-            <a:endParaRPr lang="zh-CN" altLang="en-US" noProof="1">
+            <a:endParaRPr lang="zh-CN" altLang="en-US" sz="1600" noProof="1">
               <a:effectLst>
                 <a:outerShdw blurRad="38100" dist="38100" dir="2700000">
                   <a:srgbClr val="FFFFFF"/>
@@ -16955,13 +16310,13 @@
               <a:buChar char="Ø"/>
             </a:pPr>
             <a:r>
-              <a:rPr lang="zh-CN" altLang="en-US" noProof="1">
+              <a:rPr lang="zh-CN" altLang="en-US" sz="1600" noProof="1">
                 <a:cs typeface="+mn-ea"/>
               </a:rPr>
               <a:t> </a:t>
             </a:r>
             <a:r>
-              <a:rPr lang="zh-CN" altLang="en-US" noProof="1">
+              <a:rPr lang="zh-CN" altLang="en-US" sz="1600" noProof="1">
                 <a:solidFill>
                   <a:schemeClr val="hlink"/>
                 </a:solidFill>
@@ -16970,7 +16325,7 @@
               <a:t>command</a:t>
             </a:r>
             <a:r>
-              <a:rPr lang="zh-CN" altLang="en-US" noProof="1">
+              <a:rPr lang="zh-CN" altLang="en-US" sz="1600" noProof="1">
                 <a:effectLst>
                   <a:outerShdw blurRad="38100" dist="38100" dir="2700000">
                     <a:srgbClr val="FFFFFF"/>
@@ -16981,7 +16336,7 @@
               <a:t>是</a:t>
             </a:r>
             <a:r>
-              <a:rPr lang="zh-CN" altLang="en-US" noProof="1">
+              <a:rPr lang="zh-CN" altLang="en-US" sz="1600" noProof="1">
                 <a:solidFill>
                   <a:schemeClr val="hlink"/>
                 </a:solidFill>
@@ -16990,7 +16345,10 @@
               <a:t>make</a:t>
             </a:r>
             <a:r>
-              <a:rPr lang="zh-CN" altLang="en-US" noProof="1">
+              <a:rPr lang="zh-CN" altLang="en-US" sz="1600" noProof="1">
+                <a:solidFill>
+                  <a:srgbClr val="FF0000"/>
+                </a:solidFill>
                 <a:effectLst>
                   <a:outerShdw blurRad="38100" dist="38100" dir="2700000">
                     <a:srgbClr val="FFFFFF"/>
@@ -16998,19 +16356,13 @@
                 </a:effectLst>
                 <a:cs typeface="+mn-ea"/>
               </a:rPr>
-              <a:t>执行动作，一个目标依赖关系中可以包含多个命令，但是每个</a:t>
-            </a:r>
-            <a:r>
-              <a:rPr lang="zh-CN" altLang="en-US" noProof="1">
-                <a:solidFill>
-                  <a:schemeClr val="hlink"/>
-                </a:solidFill>
-                <a:cs typeface="+mn-ea"/>
-              </a:rPr>
-              <a:t>command </a:t>
-            </a:r>
-            <a:r>
-              <a:rPr lang="zh-CN" altLang="en-US" noProof="1">
+              <a:t>执行</a:t>
+            </a:r>
+            <a:r>
+              <a:rPr lang="zh-CN" altLang="en-US" sz="1600" noProof="1" smtClean="0">
+                <a:solidFill>
+                  <a:srgbClr val="FF0000"/>
+                </a:solidFill>
                 <a:effectLst>
                   <a:outerShdw blurRad="38100" dist="38100" dir="2700000">
                     <a:srgbClr val="FFFFFF"/>
@@ -17018,19 +16370,10 @@
                 </a:effectLst>
                 <a:cs typeface="+mn-ea"/>
               </a:rPr>
-              <a:t>前面不能是空格或者其它的字符，只可以一个</a:t>
-            </a:r>
-            <a:r>
-              <a:rPr lang="zh-CN" altLang="en-US" noProof="1">
-                <a:solidFill>
-                  <a:srgbClr val="FF0000"/>
-                </a:solidFill>
-                <a:cs typeface="+mn-ea"/>
-              </a:rPr>
-              <a:t>制表符Tab键</a:t>
-            </a:r>
-            <a:r>
-              <a:rPr lang="zh-CN" altLang="en-US" noProof="1">
+              <a:t>动作（命令）</a:t>
+            </a:r>
+            <a:r>
+              <a:rPr lang="zh-CN" altLang="en-US" sz="1600" noProof="1" smtClean="0">
                 <a:effectLst>
                   <a:outerShdw blurRad="38100" dist="38100" dir="2700000">
                     <a:srgbClr val="FFFFFF"/>
@@ -17038,9 +16381,60 @@
                 </a:effectLst>
                 <a:cs typeface="+mn-ea"/>
               </a:rPr>
+              <a:t>，</a:t>
+            </a:r>
+            <a:r>
+              <a:rPr lang="zh-CN" altLang="en-US" sz="1600" noProof="1">
+                <a:effectLst>
+                  <a:outerShdw blurRad="38100" dist="38100" dir="2700000">
+                    <a:srgbClr val="FFFFFF"/>
+                  </a:outerShdw>
+                </a:effectLst>
+                <a:cs typeface="+mn-ea"/>
+              </a:rPr>
+              <a:t>一个目标依赖关系中可以包含多个命令，但是每个</a:t>
+            </a:r>
+            <a:r>
+              <a:rPr lang="zh-CN" altLang="en-US" sz="1600" noProof="1">
+                <a:solidFill>
+                  <a:schemeClr val="hlink"/>
+                </a:solidFill>
+                <a:cs typeface="+mn-ea"/>
+              </a:rPr>
+              <a:t>command </a:t>
+            </a:r>
+            <a:r>
+              <a:rPr lang="zh-CN" altLang="en-US" sz="1600" noProof="1">
+                <a:effectLst>
+                  <a:outerShdw blurRad="38100" dist="38100" dir="2700000">
+                    <a:srgbClr val="FFFFFF"/>
+                  </a:outerShdw>
+                </a:effectLst>
+                <a:cs typeface="+mn-ea"/>
+              </a:rPr>
+              <a:t>前面不能是空格或者其它的字符，只可以一个</a:t>
+            </a:r>
+            <a:r>
+              <a:rPr lang="zh-CN" altLang="en-US" sz="1600" noProof="1">
+                <a:solidFill>
+                  <a:srgbClr val="FF0000"/>
+                </a:solidFill>
+                <a:cs typeface="+mn-ea"/>
+              </a:rPr>
+              <a:t>制表符Tab键</a:t>
+            </a:r>
+            <a:r>
+              <a:rPr lang="zh-CN" altLang="en-US" sz="1600" noProof="1">
+                <a:effectLst>
+                  <a:outerShdw blurRad="38100" dist="38100" dir="2700000">
+                    <a:srgbClr val="FFFFFF"/>
+                  </a:outerShdw>
+                </a:effectLst>
+                <a:cs typeface="+mn-ea"/>
+              </a:rPr>
               <a:t>。</a:t>
             </a:r>
-            <a:endParaRPr lang="zh-CN" altLang="en-US" noProof="1">
+            <a:endParaRPr lang="zh-CN" altLang="en-US" sz="1600" noProof="1">
               <a:effectLst>
                 <a:outerShdw blurRad="38100" dist="38100" dir="2700000">
                   <a:srgbClr val="FFFFFF"/>
@@ -17060,13 +16454,13 @@
               <a:buChar char="Ø"/>
             </a:pPr>
             <a:r>
-              <a:rPr lang="zh-CN" altLang="en-US" noProof="1">
+              <a:rPr lang="zh-CN" altLang="en-US" sz="1600" noProof="1">
                 <a:cs typeface="+mn-ea"/>
               </a:rPr>
               <a:t> </a:t>
             </a:r>
             <a:r>
-              <a:rPr lang="zh-CN" altLang="en-US" noProof="1">
+              <a:rPr lang="zh-CN" altLang="en-US" sz="1600" noProof="1">
                 <a:solidFill>
                   <a:srgbClr val="FF0000"/>
                 </a:solidFill>
@@ -17075,7 +16469,7 @@
               <a:t>注：</a:t>
             </a:r>
             <a:r>
-              <a:rPr lang="zh-CN" altLang="en-US" noProof="1">
+              <a:rPr lang="zh-CN" altLang="en-US" sz="1600" noProof="1">
                 <a:effectLst>
                   <a:outerShdw blurRad="38100" dist="38100" dir="2700000">
                     <a:srgbClr val="FFFFFF"/>
@@ -17086,7 +16480,7 @@
               <a:t>若</a:t>
             </a:r>
             <a:r>
-              <a:rPr lang="zh-CN" altLang="en-US" noProof="1">
+              <a:rPr lang="zh-CN" altLang="en-US" sz="1600" noProof="1">
                 <a:solidFill>
                   <a:schemeClr val="hlink"/>
                 </a:solidFill>
@@ -17095,7 +16489,7 @@
               <a:t>target</a:t>
             </a:r>
             <a:r>
-              <a:rPr lang="zh-CN" altLang="en-US" noProof="1">
+              <a:rPr lang="zh-CN" altLang="en-US" sz="1600" noProof="1">
                 <a:effectLst>
                   <a:outerShdw blurRad="38100" dist="38100" dir="2700000">
                     <a:srgbClr val="FFFFFF"/>
@@ -17106,7 +16500,7 @@
               <a:t>缺少</a:t>
             </a:r>
             <a:r>
-              <a:rPr lang="zh-CN" altLang="en-US" noProof="1">
+              <a:rPr lang="zh-CN" altLang="en-US" sz="1600" noProof="1">
                 <a:solidFill>
                   <a:schemeClr val="hlink"/>
                 </a:solidFill>
@@ -17115,13 +16509,13 @@
               <a:t>depend</a:t>
             </a:r>
             <a:r>
-              <a:rPr lang="zh-CN" altLang="en-US" noProof="1">
+              <a:rPr lang="zh-CN" altLang="en-US" sz="1600" noProof="1">
                 <a:cs typeface="+mn-ea"/>
               </a:rPr>
               <a:t> </a:t>
             </a:r>
             <a:r>
-              <a:rPr lang="zh-CN" altLang="en-US" noProof="1">
+              <a:rPr lang="zh-CN" altLang="en-US" sz="1600" noProof="1">
                 <a:effectLst>
                   <a:outerShdw blurRad="38100" dist="38100" dir="2700000">
                     <a:srgbClr val="FFFFFF"/>
@@ -17132,7 +16526,7 @@
               <a:t>，那么</a:t>
             </a:r>
             <a:r>
-              <a:rPr lang="zh-CN" altLang="en-US" noProof="1">
+              <a:rPr lang="zh-CN" altLang="en-US" sz="1600" noProof="1">
                 <a:solidFill>
                   <a:schemeClr val="hlink"/>
                 </a:solidFill>
@@ -17141,7 +16535,7 @@
               <a:t>command</a:t>
             </a:r>
             <a:r>
-              <a:rPr lang="zh-CN" altLang="en-US" noProof="1">
+              <a:rPr lang="zh-CN" altLang="en-US" sz="1600" noProof="1">
                 <a:effectLst>
                   <a:outerShdw blurRad="38100" dist="38100" dir="2700000">
                     <a:srgbClr val="FFFFFF"/>
@@ -17151,7 +16545,7 @@
               </a:rPr>
               <a:t>会直接被执行。</a:t>
             </a:r>
-            <a:endParaRPr lang="zh-CN" altLang="en-US" noProof="1">
+            <a:endParaRPr lang="zh-CN" altLang="en-US" sz="1600" noProof="1">
               <a:effectLst>
                 <a:outerShdw blurRad="38100" dist="38100" dir="2700000">
                   <a:srgbClr val="FFFFFF"/>
@@ -17174,7 +16568,7 @@
 </p:sld>
 </file>
 
-<file path=ppt/slides/slide33.xml><?xml version="1.0" encoding="utf-8"?>
+<file path=ppt/slides/slide32.xml><?xml version="1.0" encoding="utf-8"?>
 <p:sld xmlns:a="http://schemas.openxmlformats.org/drawingml/2006/main" xmlns:r="http://schemas.openxmlformats.org/officeDocument/2006/relationships" xmlns:p="http://schemas.openxmlformats.org/presentationml/2006/main">
   <p:cSld>
     <p:spTree>
@@ -17540,7 +16934,7 @@
 </p:sld>
 </file>
 
-<file path=ppt/slides/slide34.xml><?xml version="1.0" encoding="utf-8"?>
+<file path=ppt/slides/slide33.xml><?xml version="1.0" encoding="utf-8"?>
 <p:sld xmlns:a="http://schemas.openxmlformats.org/drawingml/2006/main" xmlns:r="http://schemas.openxmlformats.org/officeDocument/2006/relationships" xmlns:p="http://schemas.openxmlformats.org/presentationml/2006/main">
   <p:cSld>
     <p:spTree>
@@ -18119,7 +17513,7 @@
 </p:sld>
 </file>
 
-<file path=ppt/slides/slide35.xml><?xml version="1.0" encoding="utf-8"?>
+<file path=ppt/slides/slide34.xml><?xml version="1.0" encoding="utf-8"?>
 <p:sld xmlns:a="http://schemas.openxmlformats.org/drawingml/2006/main" xmlns:r="http://schemas.openxmlformats.org/officeDocument/2006/relationships" xmlns:p="http://schemas.openxmlformats.org/presentationml/2006/main">
   <p:cSld>
     <p:spTree>
@@ -18371,7 +17765,7 @@
 </p:sld>
 </file>
 
-<file path=ppt/slides/slide36.xml><?xml version="1.0" encoding="utf-8"?>
+<file path=ppt/slides/slide35.xml><?xml version="1.0" encoding="utf-8"?>
 <p:sld xmlns:a="http://schemas.openxmlformats.org/drawingml/2006/main" xmlns:r="http://schemas.openxmlformats.org/officeDocument/2006/relationships" xmlns:p="http://schemas.openxmlformats.org/presentationml/2006/main">
   <p:cSld>
     <p:spTree>
@@ -18574,7 +17968,34 @@
                 <a:spcPct val="50000"/>
               </a:spcBef>
             </a:pPr>
-            <a:endParaRPr lang="en-US" altLang="zh-CN" sz="2000" dirty="0"/>
+            <a:r>
+              <a:rPr lang="zh-CN" altLang="en-US" sz="2000" b="1" dirty="0" smtClean="0"/>
+              <a:t>可以使用如：</a:t>
+            </a:r>
+            <a:r>
+              <a:rPr lang="en-US" altLang="zh-CN" sz="2000" b="1" dirty="0" smtClean="0"/>
+              <a:t>“.</a:t>
+            </a:r>
+            <a:r>
+              <a:rPr lang="en-US" altLang="zh-CN" sz="2000" b="1" dirty="0"/>
+              <a:t>PHONY : all</a:t>
+            </a:r>
+            <a:r>
+              <a:rPr lang="en-US" altLang="zh-CN" sz="2000" b="1" dirty="0" smtClean="0"/>
+              <a:t>”</a:t>
+            </a:r>
+            <a:r>
+              <a:rPr lang="zh-CN" altLang="en-US" sz="2000" b="1" dirty="0" smtClean="0"/>
+              <a:t>显示声明 “</a:t>
+            </a:r>
+            <a:r>
+              <a:rPr lang="en-US" altLang="zh-CN" sz="2000" b="1" dirty="0" smtClean="0"/>
+              <a:t>all”</a:t>
+            </a:r>
+            <a:r>
+              <a:rPr lang="zh-CN" altLang="en-US" sz="2000" b="1" dirty="0"/>
+              <a:t>这个目标为“伪目标”</a:t>
+            </a:r>
           </a:p>
           <a:p>
             <a:pPr>
@@ -18647,7 +18068,7 @@
 </p:sld>
 </file>
 
-<file path=ppt/slides/slide37.xml><?xml version="1.0" encoding="utf-8"?>
+<file path=ppt/slides/slide36.xml><?xml version="1.0" encoding="utf-8"?>
 <p:sld xmlns:a="http://schemas.openxmlformats.org/drawingml/2006/main" xmlns:r="http://schemas.openxmlformats.org/officeDocument/2006/relationships" xmlns:p="http://schemas.openxmlformats.org/presentationml/2006/main">
   <p:cSld>
     <p:spTree>
@@ -19073,7 +18494,7 @@
 </p:sld>
 </file>
 
-<file path=ppt/slides/slide38.xml><?xml version="1.0" encoding="utf-8"?>
+<file path=ppt/slides/slide37.xml><?xml version="1.0" encoding="utf-8"?>
 <p:sld xmlns:a="http://schemas.openxmlformats.org/drawingml/2006/main" xmlns:r="http://schemas.openxmlformats.org/officeDocument/2006/relationships" xmlns:p="http://schemas.openxmlformats.org/presentationml/2006/main">
   <p:cSld>
     <p:spTree>
@@ -19386,6 +18807,557 @@
     <p:extLst>
       <p:ext uri="{BB962C8B-B14F-4D97-AF65-F5344CB8AC3E}">
         <p14:creationId xmlns:p14="http://schemas.microsoft.com/office/powerpoint/2010/main" val="2864373750"/>
+      </p:ext>
+    </p:extLst>
+  </p:cSld>
+  <p:clrMapOvr>
+    <a:masterClrMapping/>
+  </p:clrMapOvr>
+</p:sld>
+</file>
+
+<file path=ppt/slides/slide38.xml><?xml version="1.0" encoding="utf-8"?>
+<p:sld xmlns:a="http://schemas.openxmlformats.org/drawingml/2006/main" xmlns:r="http://schemas.openxmlformats.org/officeDocument/2006/relationships" xmlns:p="http://schemas.openxmlformats.org/presentationml/2006/main">
+  <p:cSld>
+    <p:spTree>
+      <p:nvGrpSpPr>
+        <p:cNvPr id="1" name=""/>
+        <p:cNvGrpSpPr/>
+        <p:nvPr/>
+      </p:nvGrpSpPr>
+      <p:grpSpPr>
+        <a:xfrm>
+          <a:off x="0" y="0"/>
+          <a:ext cx="0" cy="0"/>
+          <a:chOff x="0" y="0"/>
+          <a:chExt cx="0" cy="0"/>
+        </a:xfrm>
+      </p:grpSpPr>
+      <p:sp>
+        <p:nvSpPr>
+          <p:cNvPr id="2" name="TextBox 1"/>
+          <p:cNvSpPr txBox="1"/>
+          <p:nvPr/>
+        </p:nvSpPr>
+        <p:spPr>
+          <a:xfrm>
+            <a:off x="539552" y="260648"/>
+            <a:ext cx="5760640" cy="523220"/>
+          </a:xfrm>
+          <a:prstGeom prst="rect">
+            <a:avLst/>
+          </a:prstGeom>
+          <a:noFill/>
+        </p:spPr>
+        <p:txBody>
+          <a:bodyPr wrap="square" rtlCol="0">
+            <a:spAutoFit/>
+          </a:bodyPr>
+          <a:lstStyle/>
+          <a:p>
+            <a:r>
+              <a:rPr lang="en-US" altLang="zh-CN" sz="2800" dirty="0" err="1" smtClean="0">
+                <a:solidFill>
+                  <a:schemeClr val="bg1"/>
+                </a:solidFill>
+              </a:rPr>
+              <a:t>Makefile</a:t>
+            </a:r>
+            <a:r>
+              <a:rPr lang="zh-CN" altLang="en-US" sz="2800" dirty="0" smtClean="0">
+                <a:solidFill>
+                  <a:schemeClr val="bg1"/>
+                </a:solidFill>
+              </a:rPr>
+              <a:t>中的</a:t>
+            </a:r>
+            <a:r>
+              <a:rPr lang="en-US" altLang="zh-CN" sz="2800" dirty="0" smtClean="0">
+                <a:solidFill>
+                  <a:schemeClr val="bg1"/>
+                </a:solidFill>
+              </a:rPr>
+              <a:t>shell</a:t>
+            </a:r>
+            <a:r>
+              <a:rPr lang="zh-CN" altLang="en-US" sz="2800" dirty="0" smtClean="0">
+                <a:solidFill>
+                  <a:schemeClr val="bg1"/>
+                </a:solidFill>
+              </a:rPr>
+              <a:t>命令</a:t>
+            </a:r>
+            <a:endParaRPr lang="zh-CN" altLang="en-US" sz="2800" dirty="0">
+              <a:solidFill>
+                <a:schemeClr val="bg1"/>
+              </a:solidFill>
+            </a:endParaRPr>
+          </a:p>
+        </p:txBody>
+      </p:sp>
+      <p:sp>
+        <p:nvSpPr>
+          <p:cNvPr id="3" name="Text Box 3"/>
+          <p:cNvSpPr txBox="1">
+            <a:spLocks noChangeArrowheads="1"/>
+          </p:cNvSpPr>
+          <p:nvPr/>
+        </p:nvSpPr>
+        <p:spPr bwMode="auto">
+          <a:xfrm>
+            <a:off x="468313" y="1125538"/>
+            <a:ext cx="8280400" cy="2308324"/>
+          </a:xfrm>
+          <a:prstGeom prst="rect">
+            <a:avLst/>
+          </a:prstGeom>
+          <a:noFill/>
+          <a:ln w="19050">
+            <a:solidFill>
+              <a:schemeClr val="tx1"/>
+            </a:solidFill>
+            <a:miter lim="800000"/>
+            <a:headEnd/>
+            <a:tailEnd/>
+          </a:ln>
+          <a:extLst>
+            <a:ext uri="{909E8E84-426E-40DD-AFC4-6F175D3DCCD1}">
+              <a14:hiddenFill xmlns:a14="http://schemas.microsoft.com/office/drawing/2010/main">
+                <a:solidFill>
+                  <a:srgbClr val="FFFFFF"/>
+                </a:solidFill>
+              </a14:hiddenFill>
+            </a:ext>
+          </a:extLst>
+        </p:spPr>
+        <p:txBody>
+          <a:bodyPr>
+            <a:spAutoFit/>
+          </a:bodyPr>
+          <a:lstStyle>
+            <a:lvl1pPr>
+              <a:defRPr>
+                <a:solidFill>
+                  <a:schemeClr val="tx1"/>
+                </a:solidFill>
+                <a:latin typeface="Arial" pitchFamily="34" charset="0"/>
+                <a:ea typeface="宋体" pitchFamily="2" charset="-122"/>
+              </a:defRPr>
+            </a:lvl1pPr>
+            <a:lvl2pPr>
+              <a:defRPr>
+                <a:solidFill>
+                  <a:schemeClr val="tx1"/>
+                </a:solidFill>
+                <a:latin typeface="Arial" pitchFamily="34" charset="0"/>
+                <a:ea typeface="宋体" pitchFamily="2" charset="-122"/>
+              </a:defRPr>
+            </a:lvl2pPr>
+            <a:lvl3pPr>
+              <a:defRPr>
+                <a:solidFill>
+                  <a:schemeClr val="tx1"/>
+                </a:solidFill>
+                <a:latin typeface="Arial" pitchFamily="34" charset="0"/>
+                <a:ea typeface="宋体" pitchFamily="2" charset="-122"/>
+              </a:defRPr>
+            </a:lvl3pPr>
+            <a:lvl4pPr>
+              <a:defRPr>
+                <a:solidFill>
+                  <a:schemeClr val="tx1"/>
+                </a:solidFill>
+                <a:latin typeface="Arial" pitchFamily="34" charset="0"/>
+                <a:ea typeface="宋体" pitchFamily="2" charset="-122"/>
+              </a:defRPr>
+            </a:lvl4pPr>
+            <a:lvl5pPr>
+              <a:defRPr>
+                <a:solidFill>
+                  <a:schemeClr val="tx1"/>
+                </a:solidFill>
+                <a:latin typeface="Arial" pitchFamily="34" charset="0"/>
+                <a:ea typeface="宋体" pitchFamily="2" charset="-122"/>
+              </a:defRPr>
+            </a:lvl5pPr>
+            <a:lvl6pPr fontAlgn="base">
+              <a:spcBef>
+                <a:spcPct val="0"/>
+              </a:spcBef>
+              <a:spcAft>
+                <a:spcPct val="0"/>
+              </a:spcAft>
+              <a:buFont typeface="Arial" pitchFamily="34" charset="0"/>
+              <a:defRPr>
+                <a:solidFill>
+                  <a:schemeClr val="tx1"/>
+                </a:solidFill>
+                <a:latin typeface="Arial" pitchFamily="34" charset="0"/>
+                <a:ea typeface="宋体" pitchFamily="2" charset="-122"/>
+              </a:defRPr>
+            </a:lvl6pPr>
+            <a:lvl7pPr fontAlgn="base">
+              <a:spcBef>
+                <a:spcPct val="0"/>
+              </a:spcBef>
+              <a:spcAft>
+                <a:spcPct val="0"/>
+              </a:spcAft>
+              <a:buFont typeface="Arial" pitchFamily="34" charset="0"/>
+              <a:defRPr>
+                <a:solidFill>
+                  <a:schemeClr val="tx1"/>
+                </a:solidFill>
+                <a:latin typeface="Arial" pitchFamily="34" charset="0"/>
+                <a:ea typeface="宋体" pitchFamily="2" charset="-122"/>
+              </a:defRPr>
+            </a:lvl7pPr>
+            <a:lvl8pPr fontAlgn="base">
+              <a:spcBef>
+                <a:spcPct val="0"/>
+              </a:spcBef>
+              <a:spcAft>
+                <a:spcPct val="0"/>
+              </a:spcAft>
+              <a:buFont typeface="Arial" pitchFamily="34" charset="0"/>
+              <a:defRPr>
+                <a:solidFill>
+                  <a:schemeClr val="tx1"/>
+                </a:solidFill>
+                <a:latin typeface="Arial" pitchFamily="34" charset="0"/>
+                <a:ea typeface="宋体" pitchFamily="2" charset="-122"/>
+              </a:defRPr>
+            </a:lvl8pPr>
+            <a:lvl9pPr fontAlgn="base">
+              <a:spcBef>
+                <a:spcPct val="0"/>
+              </a:spcBef>
+              <a:spcAft>
+                <a:spcPct val="0"/>
+              </a:spcAft>
+              <a:buFont typeface="Arial" pitchFamily="34" charset="0"/>
+              <a:defRPr>
+                <a:solidFill>
+                  <a:schemeClr val="tx1"/>
+                </a:solidFill>
+                <a:latin typeface="Arial" pitchFamily="34" charset="0"/>
+                <a:ea typeface="宋体" pitchFamily="2" charset="-122"/>
+              </a:defRPr>
+            </a:lvl9pPr>
+          </a:lstStyle>
+          <a:p>
+            <a:pPr>
+              <a:spcBef>
+                <a:spcPct val="50000"/>
+              </a:spcBef>
+            </a:pPr>
+            <a:r>
+              <a:rPr lang="zh-CN" altLang="en-US" dirty="0"/>
+              <a:t>#sample makefile script</a:t>
+            </a:r>
+          </a:p>
+          <a:p>
+            <a:endParaRPr lang="en-US" altLang="zh-CN" dirty="0" smtClean="0"/>
+          </a:p>
+          <a:p>
+            <a:r>
+              <a:rPr lang="en-US" altLang="zh-CN" dirty="0" smtClean="0"/>
+              <a:t>test.txt</a:t>
+            </a:r>
+            <a:r>
+              <a:rPr lang="en-US" altLang="zh-CN" dirty="0"/>
+              <a:t>: </a:t>
+            </a:r>
+            <a:r>
+              <a:rPr lang="en-US" altLang="zh-CN" dirty="0" smtClean="0"/>
+              <a:t>a.txt</a:t>
+            </a:r>
+            <a:endParaRPr lang="en-US" altLang="zh-CN" dirty="0"/>
+          </a:p>
+          <a:p>
+            <a:r>
+              <a:rPr lang="en-US" altLang="zh-CN" dirty="0"/>
+              <a:t> </a:t>
+            </a:r>
+            <a:r>
+              <a:rPr lang="en-US" altLang="zh-CN" dirty="0" smtClean="0"/>
+              <a:t>   </a:t>
+            </a:r>
+            <a:r>
+              <a:rPr lang="en-US" altLang="zh-CN" dirty="0" err="1" smtClean="0"/>
+              <a:t>cp</a:t>
+            </a:r>
+            <a:r>
+              <a:rPr lang="en-US" altLang="zh-CN" dirty="0" smtClean="0"/>
+              <a:t> 	a.txt 	 test.txt</a:t>
+            </a:r>
+            <a:endParaRPr lang="en-US" altLang="zh-CN" dirty="0"/>
+          </a:p>
+          <a:p>
+            <a:endParaRPr lang="en-US" altLang="zh-CN" dirty="0" smtClean="0"/>
+          </a:p>
+          <a:p>
+            <a:r>
+              <a:rPr lang="en-US" altLang="zh-CN" dirty="0" smtClean="0"/>
+              <a:t>a.txt</a:t>
+            </a:r>
+            <a:r>
+              <a:rPr lang="en-US" altLang="zh-CN" dirty="0"/>
+              <a:t>:</a:t>
+            </a:r>
+          </a:p>
+          <a:p>
+            <a:r>
+              <a:rPr lang="en-US" altLang="zh-CN" dirty="0"/>
+              <a:t>echo "this is the source" &gt; </a:t>
+            </a:r>
+            <a:r>
+              <a:rPr lang="en-US" altLang="zh-CN" dirty="0" smtClean="0"/>
+              <a:t>a.txt</a:t>
+            </a:r>
+            <a:endParaRPr lang="en-US" altLang="zh-CN" dirty="0"/>
+          </a:p>
+          <a:p>
+            <a:endParaRPr lang="en-US" altLang="zh-CN" dirty="0"/>
+          </a:p>
+        </p:txBody>
+      </p:sp>
+      <p:sp>
+        <p:nvSpPr>
+          <p:cNvPr id="4" name="Text Box 3"/>
+          <p:cNvSpPr txBox="1">
+            <a:spLocks noChangeArrowheads="1"/>
+          </p:cNvSpPr>
+          <p:nvPr/>
+        </p:nvSpPr>
+        <p:spPr bwMode="auto">
+          <a:xfrm>
+            <a:off x="468313" y="3861048"/>
+            <a:ext cx="8280400" cy="1285032"/>
+          </a:xfrm>
+          <a:prstGeom prst="rect">
+            <a:avLst/>
+          </a:prstGeom>
+          <a:noFill/>
+          <a:ln w="19050">
+            <a:solidFill>
+              <a:schemeClr val="tx1"/>
+            </a:solidFill>
+            <a:miter lim="800000"/>
+            <a:headEnd/>
+            <a:tailEnd/>
+          </a:ln>
+          <a:extLst>
+            <a:ext uri="{909E8E84-426E-40DD-AFC4-6F175D3DCCD1}">
+              <a14:hiddenFill xmlns:a14="http://schemas.microsoft.com/office/drawing/2010/main">
+                <a:solidFill>
+                  <a:srgbClr val="FFFFFF"/>
+                </a:solidFill>
+              </a14:hiddenFill>
+            </a:ext>
+          </a:extLst>
+        </p:spPr>
+        <p:txBody>
+          <a:bodyPr>
+            <a:spAutoFit/>
+          </a:bodyPr>
+          <a:lstStyle>
+            <a:lvl1pPr>
+              <a:defRPr>
+                <a:solidFill>
+                  <a:schemeClr val="tx1"/>
+                </a:solidFill>
+                <a:latin typeface="Arial" pitchFamily="34" charset="0"/>
+                <a:ea typeface="宋体" pitchFamily="2" charset="-122"/>
+              </a:defRPr>
+            </a:lvl1pPr>
+            <a:lvl2pPr>
+              <a:defRPr>
+                <a:solidFill>
+                  <a:schemeClr val="tx1"/>
+                </a:solidFill>
+                <a:latin typeface="Arial" pitchFamily="34" charset="0"/>
+                <a:ea typeface="宋体" pitchFamily="2" charset="-122"/>
+              </a:defRPr>
+            </a:lvl2pPr>
+            <a:lvl3pPr>
+              <a:defRPr>
+                <a:solidFill>
+                  <a:schemeClr val="tx1"/>
+                </a:solidFill>
+                <a:latin typeface="Arial" pitchFamily="34" charset="0"/>
+                <a:ea typeface="宋体" pitchFamily="2" charset="-122"/>
+              </a:defRPr>
+            </a:lvl3pPr>
+            <a:lvl4pPr>
+              <a:defRPr>
+                <a:solidFill>
+                  <a:schemeClr val="tx1"/>
+                </a:solidFill>
+                <a:latin typeface="Arial" pitchFamily="34" charset="0"/>
+                <a:ea typeface="宋体" pitchFamily="2" charset="-122"/>
+              </a:defRPr>
+            </a:lvl4pPr>
+            <a:lvl5pPr>
+              <a:defRPr>
+                <a:solidFill>
+                  <a:schemeClr val="tx1"/>
+                </a:solidFill>
+                <a:latin typeface="Arial" pitchFamily="34" charset="0"/>
+                <a:ea typeface="宋体" pitchFamily="2" charset="-122"/>
+              </a:defRPr>
+            </a:lvl5pPr>
+            <a:lvl6pPr fontAlgn="base">
+              <a:spcBef>
+                <a:spcPct val="0"/>
+              </a:spcBef>
+              <a:spcAft>
+                <a:spcPct val="0"/>
+              </a:spcAft>
+              <a:buFont typeface="Arial" pitchFamily="34" charset="0"/>
+              <a:defRPr>
+                <a:solidFill>
+                  <a:schemeClr val="tx1"/>
+                </a:solidFill>
+                <a:latin typeface="Arial" pitchFamily="34" charset="0"/>
+                <a:ea typeface="宋体" pitchFamily="2" charset="-122"/>
+              </a:defRPr>
+            </a:lvl6pPr>
+            <a:lvl7pPr fontAlgn="base">
+              <a:spcBef>
+                <a:spcPct val="0"/>
+              </a:spcBef>
+              <a:spcAft>
+                <a:spcPct val="0"/>
+              </a:spcAft>
+              <a:buFont typeface="Arial" pitchFamily="34" charset="0"/>
+              <a:defRPr>
+                <a:solidFill>
+                  <a:schemeClr val="tx1"/>
+                </a:solidFill>
+                <a:latin typeface="Arial" pitchFamily="34" charset="0"/>
+                <a:ea typeface="宋体" pitchFamily="2" charset="-122"/>
+              </a:defRPr>
+            </a:lvl7pPr>
+            <a:lvl8pPr fontAlgn="base">
+              <a:spcBef>
+                <a:spcPct val="0"/>
+              </a:spcBef>
+              <a:spcAft>
+                <a:spcPct val="0"/>
+              </a:spcAft>
+              <a:buFont typeface="Arial" pitchFamily="34" charset="0"/>
+              <a:defRPr>
+                <a:solidFill>
+                  <a:schemeClr val="tx1"/>
+                </a:solidFill>
+                <a:latin typeface="Arial" pitchFamily="34" charset="0"/>
+                <a:ea typeface="宋体" pitchFamily="2" charset="-122"/>
+              </a:defRPr>
+            </a:lvl8pPr>
+            <a:lvl9pPr fontAlgn="base">
+              <a:spcBef>
+                <a:spcPct val="0"/>
+              </a:spcBef>
+              <a:spcAft>
+                <a:spcPct val="0"/>
+              </a:spcAft>
+              <a:buFont typeface="Arial" pitchFamily="34" charset="0"/>
+              <a:defRPr>
+                <a:solidFill>
+                  <a:schemeClr val="tx1"/>
+                </a:solidFill>
+                <a:latin typeface="Arial" pitchFamily="34" charset="0"/>
+                <a:ea typeface="宋体" pitchFamily="2" charset="-122"/>
+              </a:defRPr>
+            </a:lvl9pPr>
+          </a:lstStyle>
+          <a:p>
+            <a:pPr>
+              <a:lnSpc>
+                <a:spcPct val="150000"/>
+              </a:lnSpc>
+            </a:pPr>
+            <a:r>
+              <a:rPr lang="zh-CN" altLang="en-US" dirty="0" smtClean="0"/>
+              <a:t>连续执行两次</a:t>
+            </a:r>
+            <a:r>
+              <a:rPr lang="en-US" altLang="zh-CN" dirty="0" smtClean="0"/>
+              <a:t>make</a:t>
+            </a:r>
+            <a:r>
+              <a:rPr lang="zh-CN" altLang="en-US" dirty="0" smtClean="0"/>
+              <a:t>，</a:t>
+            </a:r>
+            <a:r>
+              <a:rPr lang="zh-CN" altLang="en-US" dirty="0"/>
+              <a:t>第一次执行会先新建 </a:t>
+            </a:r>
+            <a:r>
+              <a:rPr lang="en-US" altLang="zh-CN" dirty="0" smtClean="0"/>
+              <a:t>a.txt</a:t>
+            </a:r>
+            <a:r>
+              <a:rPr lang="zh-CN" altLang="en-US" dirty="0"/>
+              <a:t>，然后再新建 </a:t>
+            </a:r>
+            <a:r>
+              <a:rPr lang="en-US" altLang="zh-CN" dirty="0" smtClean="0"/>
+              <a:t>test.txt</a:t>
+            </a:r>
+            <a:r>
+              <a:rPr lang="zh-CN" altLang="en-US" dirty="0"/>
+              <a:t>。第二次执行</a:t>
+            </a:r>
+            <a:r>
+              <a:rPr lang="zh-CN" altLang="en-US" dirty="0" smtClean="0"/>
+              <a:t>，</a:t>
+            </a:r>
+            <a:r>
+              <a:rPr lang="en-US" altLang="zh-CN" dirty="0" smtClean="0"/>
+              <a:t>make</a:t>
+            </a:r>
+            <a:r>
+              <a:rPr lang="zh-CN" altLang="en-US" dirty="0"/>
+              <a:t>发现 </a:t>
+            </a:r>
+            <a:r>
+              <a:rPr lang="en-US" altLang="zh-CN" dirty="0" smtClean="0"/>
+              <a:t>a.txt </a:t>
+            </a:r>
+            <a:r>
+              <a:rPr lang="zh-CN" altLang="en-US" dirty="0"/>
+              <a:t>没有变动（时间戳晚于 </a:t>
+            </a:r>
+            <a:r>
+              <a:rPr lang="en-US" altLang="zh-CN" dirty="0" smtClean="0"/>
+              <a:t>test.txt</a:t>
+            </a:r>
+            <a:r>
+              <a:rPr lang="zh-CN" altLang="en-US" dirty="0"/>
+              <a:t>），就不会执行任何操作</a:t>
+            </a:r>
+            <a:r>
+              <a:rPr lang="zh-CN" altLang="en-US" dirty="0" smtClean="0"/>
+              <a:t>，</a:t>
+            </a:r>
+            <a:r>
+              <a:rPr lang="en-US" altLang="zh-CN" dirty="0" smtClean="0"/>
+              <a:t>test.txt </a:t>
+            </a:r>
+            <a:r>
+              <a:rPr lang="zh-CN" altLang="en-US" dirty="0"/>
+              <a:t>也不会重新生成。</a:t>
+            </a:r>
+            <a:endParaRPr lang="en-US" altLang="zh-CN" dirty="0"/>
+          </a:p>
+        </p:txBody>
+      </p:sp>
+    </p:spTree>
+    <p:extLst>
+      <p:ext uri="{BB962C8B-B14F-4D97-AF65-F5344CB8AC3E}">
+        <p14:creationId xmlns:p14="http://schemas.microsoft.com/office/powerpoint/2010/main" val="3098662685"/>
       </p:ext>
     </p:extLst>
   </p:cSld>
@@ -20158,7 +20130,7 @@
         <p:spPr bwMode="auto">
           <a:xfrm>
             <a:off x="827088" y="1246188"/>
-            <a:ext cx="7921625" cy="4044950"/>
+            <a:ext cx="7921625" cy="4044184"/>
           </a:xfrm>
           <a:prstGeom prst="rect">
             <a:avLst/>
@@ -20280,7 +20252,7 @@
               <a:buChar char="v"/>
             </a:pPr>
             <a:r>
-              <a:rPr lang="zh-CN" altLang="en-US" sz="3600" b="1">
+              <a:rPr lang="zh-CN" altLang="en-US" sz="3600" b="1" dirty="0">
                 <a:ea typeface="宋体" charset="-122"/>
               </a:rPr>
               <a:t>头文件目录</a:t>
@@ -20295,21 +20267,87 @@
               <a:buNone/>
             </a:pPr>
             <a:r>
-              <a:rPr lang="en-US" altLang="zh-CN">
-                <a:ea typeface="宋体" charset="-122"/>
-              </a:rPr>
-              <a:t>	/usr/include         /usr/include/sys(linux)</a:t>
-            </a:r>
-          </a:p>
-          <a:p>
-            <a:pPr marL="342900" indent="-342900" eaLnBrk="1" hangingPunct="1">
+              <a:rPr lang="en-US" altLang="zh-CN" dirty="0">
+                <a:ea typeface="宋体" charset="-122"/>
+              </a:rPr>
+              <a:t>	/</a:t>
+            </a:r>
+            <a:r>
+              <a:rPr lang="en-US" altLang="zh-CN" dirty="0" err="1">
+                <a:ea typeface="宋体" charset="-122"/>
+              </a:rPr>
+              <a:t>usr</a:t>
+            </a:r>
+            <a:r>
+              <a:rPr lang="en-US" altLang="zh-CN" dirty="0">
+                <a:ea typeface="宋体" charset="-122"/>
+              </a:rPr>
+              <a:t>/include         /</a:t>
+            </a:r>
+            <a:r>
+              <a:rPr lang="en-US" altLang="zh-CN" dirty="0" err="1">
+                <a:ea typeface="宋体" charset="-122"/>
+              </a:rPr>
+              <a:t>usr</a:t>
+            </a:r>
+            <a:r>
+              <a:rPr lang="en-US" altLang="zh-CN" dirty="0">
+                <a:ea typeface="宋体" charset="-122"/>
+              </a:rPr>
+              <a:t>/include/sys(</a:t>
+            </a:r>
+            <a:r>
+              <a:rPr lang="en-US" altLang="zh-CN" dirty="0" err="1">
+                <a:ea typeface="宋体" charset="-122"/>
+              </a:rPr>
+              <a:t>linux</a:t>
+            </a:r>
+            <a:r>
+              <a:rPr lang="en-US" altLang="zh-CN" dirty="0">
+                <a:ea typeface="宋体" charset="-122"/>
+              </a:rPr>
+              <a:t>)</a:t>
+            </a:r>
+          </a:p>
+          <a:p>
+            <a:pPr marL="342900" indent="-342900">
               <a:spcBef>
                 <a:spcPct val="50000"/>
               </a:spcBef>
-              <a:buFont typeface="Arial" charset="0"/>
-              <a:buNone/>
-            </a:pPr>
-            <a:endParaRPr lang="en-US" altLang="zh-CN">
+            </a:pPr>
+            <a:r>
+              <a:rPr lang="en-US" altLang="zh-CN" dirty="0" smtClean="0"/>
+              <a:t>	/</a:t>
+            </a:r>
+            <a:r>
+              <a:rPr lang="en-US" altLang="zh-CN" dirty="0" err="1" smtClean="0"/>
+              <a:t>usr</a:t>
+            </a:r>
+            <a:r>
+              <a:rPr lang="en-US" altLang="zh-CN" dirty="0" smtClean="0"/>
+              <a:t>/</a:t>
+            </a:r>
+            <a:r>
+              <a:rPr lang="en-US" altLang="zh-CN" dirty="0" err="1" smtClean="0"/>
+              <a:t>incude</a:t>
+            </a:r>
+            <a:r>
+              <a:rPr lang="en-US" altLang="zh-CN" dirty="0" smtClean="0"/>
+              <a:t>/i386-linux-gnu/sys </a:t>
+            </a:r>
+            <a:r>
+              <a:rPr lang="zh-CN" altLang="en-US" dirty="0" smtClean="0"/>
+              <a:t>（</a:t>
+            </a:r>
+            <a:r>
+              <a:rPr lang="en-US" altLang="zh-CN" dirty="0"/>
+              <a:t>Ubuntu</a:t>
+            </a:r>
+            <a:r>
+              <a:rPr lang="zh-CN" altLang="en-US" dirty="0" smtClean="0"/>
+              <a:t>）</a:t>
+            </a:r>
+            <a:endParaRPr lang="en-US" altLang="zh-CN" dirty="0">
               <a:ea typeface="宋体" charset="-122"/>
             </a:endParaRPr>
           </a:p>
@@ -20328,7 +20366,7 @@
               <a:buChar char="v"/>
             </a:pPr>
             <a:r>
-              <a:rPr lang="zh-CN" altLang="en-US" sz="3600" b="1">
+              <a:rPr lang="zh-CN" altLang="en-US" sz="3600" b="1" dirty="0">
                 <a:ea typeface="宋体" charset="-122"/>
               </a:rPr>
               <a:t>库文件目录</a:t>
@@ -20343,16 +20381,28 @@
               <a:buNone/>
             </a:pPr>
             <a:r>
-              <a:rPr lang="en-US" altLang="zh-CN" b="1">
+              <a:rPr lang="en-US" altLang="zh-CN" b="1" dirty="0">
                 <a:ea typeface="宋体" charset="-122"/>
               </a:rPr>
               <a:t>	</a:t>
             </a:r>
             <a:r>
-              <a:rPr lang="en-US" altLang="zh-CN">
-                <a:ea typeface="宋体" charset="-122"/>
-              </a:rPr>
-              <a:t>/lib             /usr/lib</a:t>
+              <a:rPr lang="en-US" altLang="zh-CN" dirty="0">
+                <a:ea typeface="宋体" charset="-122"/>
+              </a:rPr>
+              <a:t>/lib             /</a:t>
+            </a:r>
+            <a:r>
+              <a:rPr lang="en-US" altLang="zh-CN" dirty="0" err="1">
+                <a:ea typeface="宋体" charset="-122"/>
+              </a:rPr>
+              <a:t>usr</a:t>
+            </a:r>
+            <a:r>
+              <a:rPr lang="en-US" altLang="zh-CN" dirty="0">
+                <a:ea typeface="宋体" charset="-122"/>
+              </a:rPr>
+              <a:t>/lib</a:t>
             </a:r>
           </a:p>
           <a:p>
@@ -20363,15 +20413,252 @@
               <a:buFont typeface="Arial" charset="0"/>
               <a:buNone/>
             </a:pPr>
-            <a:r>
-              <a:rPr lang="en-US" altLang="zh-CN">
-                <a:ea typeface="宋体" charset="-122"/>
-              </a:rPr>
-              <a:t>	*.a              *.so</a:t>
-            </a:r>
+            <a:endParaRPr lang="en-US" altLang="zh-CN" dirty="0">
+              <a:ea typeface="宋体" charset="-122"/>
+            </a:endParaRPr>
           </a:p>
         </p:txBody>
       </p:sp>
+      <p:graphicFrame>
+        <p:nvGraphicFramePr>
+          <p:cNvPr id="2" name="表格 1"/>
+          <p:cNvGraphicFramePr>
+            <a:graphicFrameLocks noGrp="1"/>
+          </p:cNvGraphicFramePr>
+          <p:nvPr>
+            <p:extLst>
+              <p:ext uri="{D42A27DB-BD31-4B8C-83A1-F6EECF244321}">
+                <p14:modId xmlns:p14="http://schemas.microsoft.com/office/powerpoint/2010/main" val="2893638788"/>
+              </p:ext>
+            </p:extLst>
+          </p:nvPr>
+        </p:nvGraphicFramePr>
+        <p:xfrm>
+          <a:off x="611560" y="4581128"/>
+          <a:ext cx="7368480" cy="1752600"/>
+        </p:xfrm>
+        <a:graphic>
+          <a:graphicData uri="http://schemas.openxmlformats.org/drawingml/2006/table">
+            <a:tbl>
+              <a:tblPr firstRow="1" bandRow="1">
+                <a:tableStyleId>{21E4AEA4-8DFA-4A89-87EB-49C32662AFE0}</a:tableStyleId>
+              </a:tblPr>
+              <a:tblGrid>
+                <a:gridCol w="1247800"/>
+                <a:gridCol w="6120680"/>
+              </a:tblGrid>
+              <a:tr h="370840">
+                <a:tc>
+                  <a:txBody>
+                    <a:bodyPr/>
+                    <a:lstStyle/>
+                    <a:p>
+                      <a:r>
+                        <a:rPr lang="zh-CN" altLang="en-US" dirty="0" smtClean="0"/>
+                        <a:t>文件类型</a:t>
+                      </a:r>
+                      <a:endParaRPr lang="zh-CN" altLang="en-US" dirty="0"/>
+                    </a:p>
+                  </a:txBody>
+                  <a:tcPr/>
+                </a:tc>
+                <a:tc>
+                  <a:txBody>
+                    <a:bodyPr/>
+                    <a:lstStyle/>
+                    <a:p>
+                      <a:r>
+                        <a:rPr lang="zh-CN" altLang="en-US" dirty="0" smtClean="0"/>
+                        <a:t>功能</a:t>
+                      </a:r>
+                      <a:endParaRPr lang="zh-CN" altLang="en-US" dirty="0"/>
+                    </a:p>
+                  </a:txBody>
+                  <a:tcPr/>
+                </a:tc>
+              </a:tr>
+              <a:tr h="370840">
+                <a:tc>
+                  <a:txBody>
+                    <a:bodyPr/>
+                    <a:lstStyle/>
+                    <a:p>
+                      <a:r>
+                        <a:rPr lang="en-US" altLang="zh-CN" dirty="0" smtClean="0"/>
+                        <a:t>*.o</a:t>
+                      </a:r>
+                      <a:endParaRPr lang="zh-CN" altLang="en-US" dirty="0"/>
+                    </a:p>
+                  </a:txBody>
+                  <a:tcPr/>
+                </a:tc>
+                <a:tc>
+                  <a:txBody>
+                    <a:bodyPr/>
+                    <a:lstStyle/>
+                    <a:p>
+                      <a:r>
+                        <a:rPr lang="zh-CN" altLang="en-US" dirty="0" smtClean="0"/>
+                        <a:t>目标文件</a:t>
+                      </a:r>
+                      <a:r>
+                        <a:rPr lang="en-US" altLang="zh-CN" dirty="0" smtClean="0"/>
+                        <a:t>,</a:t>
+                      </a:r>
+                      <a:r>
+                        <a:rPr lang="zh-CN" altLang="en-US" dirty="0" smtClean="0"/>
+                        <a:t>相当于</a:t>
+                      </a:r>
+                      <a:r>
+                        <a:rPr lang="en-US" altLang="zh-CN" dirty="0" smtClean="0"/>
+                        <a:t>windows</a:t>
+                      </a:r>
+                      <a:r>
+                        <a:rPr lang="zh-CN" altLang="en-US" dirty="0" smtClean="0"/>
+                        <a:t>中的</a:t>
+                      </a:r>
+                      <a:r>
+                        <a:rPr lang="en-US" altLang="zh-CN" dirty="0" smtClean="0"/>
+                        <a:t>.</a:t>
+                      </a:r>
+                      <a:r>
+                        <a:rPr lang="en-US" altLang="zh-CN" dirty="0" err="1" smtClean="0"/>
+                        <a:t>obj</a:t>
+                      </a:r>
+                      <a:r>
+                        <a:rPr lang="zh-CN" altLang="en-US" dirty="0" smtClean="0"/>
+                        <a:t>文件</a:t>
+                      </a:r>
+                      <a:endParaRPr lang="zh-CN" altLang="en-US" dirty="0"/>
+                    </a:p>
+                  </a:txBody>
+                  <a:tcPr/>
+                </a:tc>
+              </a:tr>
+              <a:tr h="370840">
+                <a:tc>
+                  <a:txBody>
+                    <a:bodyPr/>
+                    <a:lstStyle/>
+                    <a:p>
+                      <a:r>
+                        <a:rPr lang="en-US" altLang="zh-CN" dirty="0" smtClean="0"/>
+                        <a:t>*.a</a:t>
+                      </a:r>
+                      <a:endParaRPr lang="zh-CN" altLang="en-US" dirty="0"/>
+                    </a:p>
+                  </a:txBody>
+                  <a:tcPr/>
+                </a:tc>
+                <a:tc>
+                  <a:txBody>
+                    <a:bodyPr/>
+                    <a:lstStyle/>
+                    <a:p>
+                      <a:r>
+                        <a:rPr lang="zh-CN" altLang="en-US" dirty="0" smtClean="0"/>
+                        <a:t>静态库文件</a:t>
+                      </a:r>
+                      <a:r>
+                        <a:rPr lang="en-US" altLang="zh-CN" dirty="0" smtClean="0"/>
+                        <a:t>,</a:t>
+                      </a:r>
+                      <a:r>
+                        <a:rPr lang="zh-CN" altLang="en-US" dirty="0" smtClean="0"/>
+                        <a:t>多个</a:t>
+                      </a:r>
+                      <a:r>
+                        <a:rPr lang="en-US" altLang="zh-CN" dirty="0" smtClean="0"/>
+                        <a:t>.o</a:t>
+                      </a:r>
+                      <a:r>
+                        <a:rPr lang="zh-CN" altLang="en-US" dirty="0" smtClean="0"/>
+                        <a:t>文件的集合</a:t>
+                      </a:r>
+                      <a:endParaRPr lang="zh-CN" altLang="en-US" dirty="0"/>
+                    </a:p>
+                  </a:txBody>
+                  <a:tcPr/>
+                </a:tc>
+              </a:tr>
+              <a:tr h="370840">
+                <a:tc>
+                  <a:txBody>
+                    <a:bodyPr/>
+                    <a:lstStyle/>
+                    <a:p>
+                      <a:r>
+                        <a:rPr lang="zh-CN" altLang="en-US" dirty="0" smtClean="0"/>
+                        <a:t>*</a:t>
+                      </a:r>
+                      <a:r>
+                        <a:rPr lang="en-US" altLang="zh-CN" dirty="0" smtClean="0"/>
+                        <a:t>.so</a:t>
+                      </a:r>
+                      <a:endParaRPr lang="zh-CN" altLang="en-US" dirty="0"/>
+                    </a:p>
+                  </a:txBody>
+                  <a:tcPr/>
+                </a:tc>
+                <a:tc>
+                  <a:txBody>
+                    <a:bodyPr/>
+                    <a:lstStyle/>
+                    <a:p>
+                      <a:r>
+                        <a:rPr lang="zh-CN" altLang="en-US" dirty="0" smtClean="0"/>
+                        <a:t>共享库</a:t>
+                      </a:r>
+                      <a:r>
+                        <a:rPr lang="en-US" altLang="zh-CN" dirty="0" smtClean="0"/>
+                        <a:t>,</a:t>
+                      </a:r>
+                      <a:r>
+                        <a:rPr lang="zh-CN" altLang="en-US" dirty="0" smtClean="0"/>
+                        <a:t>是</a:t>
+                      </a:r>
+                      <a:r>
+                        <a:rPr lang="en-US" altLang="zh-CN" dirty="0" smtClean="0"/>
+                        <a:t>shared object,</a:t>
+                      </a:r>
+                      <a:r>
+                        <a:rPr lang="zh-CN" altLang="en-US" dirty="0" smtClean="0"/>
+                        <a:t>用于动态连接</a:t>
+                      </a:r>
+                      <a:r>
+                        <a:rPr lang="en-US" altLang="zh-CN" dirty="0" smtClean="0"/>
+                        <a:t>,</a:t>
+                      </a:r>
+                      <a:r>
+                        <a:rPr lang="zh-CN" altLang="en-US" dirty="0" smtClean="0"/>
+                        <a:t>相当于</a:t>
+                      </a:r>
+                      <a:r>
+                        <a:rPr lang="en-US" altLang="zh-CN" dirty="0" smtClean="0"/>
+                        <a:t>windows</a:t>
+                      </a:r>
+                      <a:r>
+                        <a:rPr lang="zh-CN" altLang="en-US" dirty="0" smtClean="0"/>
+                        <a:t>下的</a:t>
+                      </a:r>
+                      <a:r>
+                        <a:rPr lang="en-US" altLang="zh-CN" dirty="0" err="1" smtClean="0"/>
+                        <a:t>dll</a:t>
+                      </a:r>
+                      <a:r>
+                        <a:rPr lang="en-US" altLang="zh-CN" dirty="0" smtClean="0"/>
+                        <a:t> </a:t>
+                      </a:r>
+                      <a:endParaRPr lang="zh-CN" altLang="en-US" dirty="0"/>
+                    </a:p>
+                  </a:txBody>
+                  <a:tcPr/>
+                </a:tc>
+              </a:tr>
+            </a:tbl>
+          </a:graphicData>
+        </a:graphic>
+      </p:graphicFrame>
     </p:spTree>
     <p:extLst>
       <p:ext uri="{BB962C8B-B14F-4D97-AF65-F5344CB8AC3E}">
@@ -24930,7 +25217,7 @@
         <p:spPr>
           <a:xfrm>
             <a:off x="755576" y="1124744"/>
-            <a:ext cx="7560840" cy="4832092"/>
+            <a:ext cx="7560840" cy="4185761"/>
           </a:xfrm>
           <a:prstGeom prst="rect">
             <a:avLst/>
@@ -25047,49 +25334,13 @@
               <a:rPr lang="zh-CN" altLang="en-US" sz="2800" dirty="0" smtClean="0">
                 <a:ea typeface="宋体" charset="-122"/>
               </a:rPr>
-              <a:t>编译成汇编文件</a:t>
-            </a:r>
-            <a:endParaRPr lang="zh-CN" altLang="en-US" sz="2800" dirty="0">
-              <a:ea typeface="宋体" charset="-122"/>
-            </a:endParaRPr>
-          </a:p>
-          <a:p>
-            <a:pPr marL="457200" indent="-457200">
-              <a:spcBef>
-                <a:spcPct val="50000"/>
-              </a:spcBef>
-              <a:buFont typeface="Arial" pitchFamily="34" charset="0"/>
-              <a:buChar char="•"/>
-            </a:pPr>
-            <a:r>
-              <a:rPr lang="zh-CN" altLang="en-US" sz="2800" dirty="0">
-                <a:ea typeface="宋体" charset="-122"/>
-              </a:rPr>
-              <a:t>汇编（</a:t>
-            </a:r>
-            <a:r>
-              <a:rPr lang="en-US" altLang="zh-CN" sz="2800" dirty="0">
-                <a:ea typeface="宋体" charset="-122"/>
-              </a:rPr>
-              <a:t>assembling</a:t>
+              <a:t>编译成</a:t>
             </a:r>
             <a:r>
               <a:rPr lang="zh-CN" altLang="en-US" sz="2800" dirty="0" smtClean="0">
                 <a:ea typeface="宋体" charset="-122"/>
               </a:rPr>
-              <a:t>）</a:t>
-            </a:r>
-            <a:r>
-              <a:rPr lang="en-US" altLang="zh-CN" sz="2800" dirty="0">
-                <a:ea typeface="宋体" charset="-122"/>
-              </a:rPr>
-              <a:t> </a:t>
-            </a:r>
-            <a:r>
-              <a:rPr lang="zh-CN" altLang="en-US" sz="2800" dirty="0" smtClean="0">
-                <a:ea typeface="宋体" charset="-122"/>
-              </a:rPr>
-              <a:t>汇编成二进制目标代码</a:t>
+              <a:t>二进制目标代码</a:t>
             </a:r>
             <a:endParaRPr lang="zh-CN" altLang="en-US" sz="2800" dirty="0">
               <a:ea typeface="宋体" charset="-122"/>
